--- a/모두의보안 suninatas web.pptx
+++ b/모두의보안 suninatas web.pptx
@@ -15,6 +15,24 @@
     <p:sldId id="262" r:id="rId9"/>
     <p:sldId id="264" r:id="rId10"/>
     <p:sldId id="265" r:id="rId11"/>
+    <p:sldId id="267" r:id="rId12"/>
+    <p:sldId id="266" r:id="rId13"/>
+    <p:sldId id="268" r:id="rId14"/>
+    <p:sldId id="269" r:id="rId15"/>
+    <p:sldId id="270" r:id="rId16"/>
+    <p:sldId id="271" r:id="rId17"/>
+    <p:sldId id="273" r:id="rId18"/>
+    <p:sldId id="272" r:id="rId19"/>
+    <p:sldId id="274" r:id="rId20"/>
+    <p:sldId id="275" r:id="rId21"/>
+    <p:sldId id="276" r:id="rId22"/>
+    <p:sldId id="277" r:id="rId23"/>
+    <p:sldId id="278" r:id="rId24"/>
+    <p:sldId id="279" r:id="rId25"/>
+    <p:sldId id="281" r:id="rId26"/>
+    <p:sldId id="280" r:id="rId27"/>
+    <p:sldId id="282" r:id="rId28"/>
+    <p:sldId id="284" r:id="rId29"/>
   </p:sldIdLst>
   <p:sldSz cx="12192000" cy="6858000"/>
   <p:notesSz cx="6858000" cy="9144000"/>
@@ -113,6 +131,11 @@
       </a:defRPr>
     </a:lvl9pPr>
   </p:defaultTextStyle>
+  <p:extLst>
+    <p:ext uri="{EFAFB233-063F-42B5-8137-9DF3F51BA10A}">
+      <p15:sldGuideLst xmlns:p15="http://schemas.microsoft.com/office/powerpoint/2012/main"/>
+    </p:ext>
+  </p:extLst>
 </p:presentation>
 </file>
 
@@ -5830,6 +5853,1189 @@
 </p:sld>
 </file>
 
+<file path=ppt/slides/slide11.xml><?xml version="1.0" encoding="utf-8"?>
+<p:sld xmlns:a="http://schemas.openxmlformats.org/drawingml/2006/main" xmlns:r="http://schemas.openxmlformats.org/officeDocument/2006/relationships" xmlns:p="http://schemas.openxmlformats.org/presentationml/2006/main">
+  <p:cSld>
+    <p:spTree>
+      <p:nvGrpSpPr>
+        <p:cNvPr id="1" name=""/>
+        <p:cNvGrpSpPr/>
+        <p:nvPr/>
+      </p:nvGrpSpPr>
+      <p:grpSpPr>
+        <a:xfrm>
+          <a:off x="0" y="0"/>
+          <a:ext cx="0" cy="0"/>
+          <a:chOff x="0" y="0"/>
+          <a:chExt cx="0" cy="0"/>
+        </a:xfrm>
+      </p:grpSpPr>
+      <p:sp>
+        <p:nvSpPr>
+          <p:cNvPr id="2" name="제목 1"/>
+          <p:cNvSpPr>
+            <a:spLocks noGrp="1"/>
+          </p:cNvSpPr>
+          <p:nvPr>
+            <p:ph type="title"/>
+          </p:nvPr>
+        </p:nvSpPr>
+        <p:spPr>
+          <a:xfrm>
+            <a:off x="4588042" y="2422358"/>
+            <a:ext cx="3224463" cy="1860884"/>
+          </a:xfrm>
+        </p:spPr>
+        <p:txBody>
+          <a:bodyPr>
+            <a:normAutofit/>
+          </a:bodyPr>
+          <a:lstStyle/>
+          <a:p>
+            <a:r>
+              <a:rPr lang="en-US" altLang="ko-KR" sz="5000" smtClean="0"/>
+              <a:t>Web </a:t>
+            </a:r>
+            <a:r>
+              <a:rPr lang="en-US" altLang="ko-KR" sz="5000" smtClean="0"/>
+              <a:t>3</a:t>
+            </a:r>
+            <a:r>
+              <a:rPr lang="ko-KR" altLang="en-US" sz="5000" smtClean="0"/>
+              <a:t>번</a:t>
+            </a:r>
+            <a:endParaRPr lang="ko-KR" altLang="en-US" sz="5000"/>
+          </a:p>
+        </p:txBody>
+      </p:sp>
+    </p:spTree>
+    <p:extLst>
+      <p:ext uri="{BB962C8B-B14F-4D97-AF65-F5344CB8AC3E}">
+        <p14:creationId xmlns:p14="http://schemas.microsoft.com/office/powerpoint/2010/main" val="2227065342"/>
+      </p:ext>
+    </p:extLst>
+  </p:cSld>
+  <p:clrMapOvr>
+    <a:masterClrMapping/>
+  </p:clrMapOvr>
+</p:sld>
+</file>
+
+<file path=ppt/slides/slide12.xml><?xml version="1.0" encoding="utf-8"?>
+<p:sld xmlns:a="http://schemas.openxmlformats.org/drawingml/2006/main" xmlns:r="http://schemas.openxmlformats.org/officeDocument/2006/relationships" xmlns:p="http://schemas.openxmlformats.org/presentationml/2006/main">
+  <p:cSld>
+    <p:spTree>
+      <p:nvGrpSpPr>
+        <p:cNvPr id="1" name=""/>
+        <p:cNvGrpSpPr/>
+        <p:nvPr/>
+      </p:nvGrpSpPr>
+      <p:grpSpPr>
+        <a:xfrm>
+          <a:off x="0" y="0"/>
+          <a:ext cx="0" cy="0"/>
+          <a:chOff x="0" y="0"/>
+          <a:chExt cx="0" cy="0"/>
+        </a:xfrm>
+      </p:grpSpPr>
+      <p:pic>
+        <p:nvPicPr>
+          <p:cNvPr id="4" name="그림 3"/>
+          <p:cNvPicPr>
+            <a:picLocks noChangeAspect="1"/>
+          </p:cNvPicPr>
+          <p:nvPr/>
+        </p:nvPicPr>
+        <p:blipFill>
+          <a:blip r:embed="rId2"/>
+          <a:stretch>
+            <a:fillRect/>
+          </a:stretch>
+        </p:blipFill>
+        <p:spPr>
+          <a:xfrm>
+            <a:off x="245414" y="1347537"/>
+            <a:ext cx="5495461" cy="3721768"/>
+          </a:xfrm>
+          <a:prstGeom prst="rect">
+            <a:avLst/>
+          </a:prstGeom>
+        </p:spPr>
+      </p:pic>
+      <p:pic>
+        <p:nvPicPr>
+          <p:cNvPr id="5" name="그림 4"/>
+          <p:cNvPicPr>
+            <a:picLocks noChangeAspect="1"/>
+          </p:cNvPicPr>
+          <p:nvPr/>
+        </p:nvPicPr>
+        <p:blipFill>
+          <a:blip r:embed="rId3"/>
+          <a:stretch>
+            <a:fillRect/>
+          </a:stretch>
+        </p:blipFill>
+        <p:spPr>
+          <a:xfrm>
+            <a:off x="5740874" y="1347537"/>
+            <a:ext cx="5909169" cy="3721768"/>
+          </a:xfrm>
+          <a:prstGeom prst="rect">
+            <a:avLst/>
+          </a:prstGeom>
+        </p:spPr>
+      </p:pic>
+      <p:sp>
+        <p:nvSpPr>
+          <p:cNvPr id="6" name="TextBox 5"/>
+          <p:cNvSpPr txBox="1"/>
+          <p:nvPr/>
+        </p:nvSpPr>
+        <p:spPr>
+          <a:xfrm>
+            <a:off x="245414" y="5325979"/>
+            <a:ext cx="11256775" cy="1200329"/>
+          </a:xfrm>
+          <a:prstGeom prst="rect">
+            <a:avLst/>
+          </a:prstGeom>
+          <a:noFill/>
+        </p:spPr>
+        <p:txBody>
+          <a:bodyPr wrap="square" rtlCol="0">
+            <a:spAutoFit/>
+          </a:bodyPr>
+          <a:lstStyle/>
+          <a:p>
+            <a:pPr marL="285750" indent="-285750">
+              <a:buFontTx/>
+              <a:buChar char="-"/>
+            </a:pPr>
+            <a:r>
+              <a:rPr lang="ko-KR" altLang="en-US" smtClean="0"/>
+              <a:t>글을 쓰려면 </a:t>
+            </a:r>
+            <a:r>
+              <a:rPr lang="en-US" altLang="ko-KR" smtClean="0"/>
+              <a:t>write </a:t>
+            </a:r>
+            <a:r>
+              <a:rPr lang="ko-KR" altLang="en-US" smtClean="0"/>
+              <a:t>버튼을 눌러야 함</a:t>
+            </a:r>
+            <a:endParaRPr lang="en-US" altLang="ko-KR" smtClean="0"/>
+          </a:p>
+          <a:p>
+            <a:pPr marL="285750" indent="-285750">
+              <a:buFontTx/>
+              <a:buChar char="-"/>
+            </a:pPr>
+            <a:r>
+              <a:rPr lang="en-US" altLang="ko-KR" smtClean="0"/>
+              <a:t>suninatas</a:t>
+            </a:r>
+            <a:r>
+              <a:rPr lang="ko-KR" altLang="en-US" smtClean="0"/>
+              <a:t>에는 글을 쓸 수 있는 게시판이 </a:t>
+            </a:r>
+            <a:r>
+              <a:rPr lang="en-US" altLang="ko-KR" smtClean="0"/>
+              <a:t>free </a:t>
+            </a:r>
+            <a:r>
+              <a:rPr lang="ko-KR" altLang="en-US" smtClean="0"/>
+              <a:t>게시판 밖에 없음</a:t>
+            </a:r>
+            <a:endParaRPr lang="en-US" altLang="ko-KR" smtClean="0"/>
+          </a:p>
+          <a:p>
+            <a:pPr marL="285750" indent="-285750">
+              <a:buFontTx/>
+              <a:buChar char="-"/>
+            </a:pPr>
+            <a:r>
+              <a:rPr lang="en-US" altLang="ko-KR" smtClean="0"/>
+              <a:t>free</a:t>
+            </a:r>
+            <a:r>
+              <a:rPr lang="ko-KR" altLang="en-US"/>
+              <a:t> </a:t>
+            </a:r>
+            <a:r>
+              <a:rPr lang="ko-KR" altLang="en-US" smtClean="0"/>
+              <a:t>에는 </a:t>
+            </a:r>
+            <a:r>
+              <a:rPr lang="en-US" altLang="ko-KR" smtClean="0"/>
+              <a:t>write </a:t>
+            </a:r>
+            <a:r>
+              <a:rPr lang="ko-KR" altLang="en-US" smtClean="0"/>
+              <a:t>버튼이 있으나</a:t>
+            </a:r>
+            <a:r>
+              <a:rPr lang="en-US" altLang="ko-KR" smtClean="0"/>
+              <a:t>, notice </a:t>
+            </a:r>
+            <a:r>
+              <a:rPr lang="ko-KR" altLang="en-US" smtClean="0"/>
+              <a:t>에는 없음</a:t>
+            </a:r>
+            <a:endParaRPr lang="en-US" altLang="ko-KR"/>
+          </a:p>
+          <a:p>
+            <a:pPr marL="285750" indent="-285750">
+              <a:buFontTx/>
+              <a:buChar char="-"/>
+            </a:pPr>
+            <a:r>
+              <a:rPr lang="en-US" altLang="ko-KR" smtClean="0"/>
+              <a:t>free</a:t>
+            </a:r>
+            <a:r>
+              <a:rPr lang="ko-KR" altLang="en-US" smtClean="0"/>
+              <a:t>의 소스코드에 힌트가 있을 것이라 생각하고</a:t>
+            </a:r>
+            <a:r>
+              <a:rPr lang="en-US" altLang="ko-KR" smtClean="0"/>
+              <a:t>, </a:t>
+            </a:r>
+            <a:r>
+              <a:rPr lang="ko-KR" altLang="en-US" smtClean="0"/>
+              <a:t>자유게시판 소스코드에서 </a:t>
+            </a:r>
+            <a:r>
+              <a:rPr lang="en-US" altLang="ko-KR" smtClean="0"/>
+              <a:t>write</a:t>
+            </a:r>
+            <a:r>
+              <a:rPr lang="ko-KR" altLang="en-US" smtClean="0"/>
+              <a:t>을 검색함</a:t>
+            </a:r>
+            <a:endParaRPr lang="ko-KR" altLang="en-US"/>
+          </a:p>
+        </p:txBody>
+      </p:sp>
+    </p:spTree>
+    <p:extLst>
+      <p:ext uri="{BB962C8B-B14F-4D97-AF65-F5344CB8AC3E}">
+        <p14:creationId xmlns:p14="http://schemas.microsoft.com/office/powerpoint/2010/main" val="2436966795"/>
+      </p:ext>
+    </p:extLst>
+  </p:cSld>
+  <p:clrMapOvr>
+    <a:masterClrMapping/>
+  </p:clrMapOvr>
+</p:sld>
+</file>
+
+<file path=ppt/slides/slide13.xml><?xml version="1.0" encoding="utf-8"?>
+<p:sld xmlns:a="http://schemas.openxmlformats.org/drawingml/2006/main" xmlns:r="http://schemas.openxmlformats.org/officeDocument/2006/relationships" xmlns:p="http://schemas.openxmlformats.org/presentationml/2006/main">
+  <p:cSld>
+    <p:spTree>
+      <p:nvGrpSpPr>
+        <p:cNvPr id="1" name=""/>
+        <p:cNvGrpSpPr/>
+        <p:nvPr/>
+      </p:nvGrpSpPr>
+      <p:grpSpPr>
+        <a:xfrm>
+          <a:off x="0" y="0"/>
+          <a:ext cx="0" cy="0"/>
+          <a:chOff x="0" y="0"/>
+          <a:chExt cx="0" cy="0"/>
+        </a:xfrm>
+      </p:grpSpPr>
+      <p:pic>
+        <p:nvPicPr>
+          <p:cNvPr id="4" name="그림 3"/>
+          <p:cNvPicPr>
+            <a:picLocks noChangeAspect="1"/>
+          </p:cNvPicPr>
+          <p:nvPr/>
+        </p:nvPicPr>
+        <p:blipFill>
+          <a:blip r:embed="rId2"/>
+          <a:stretch>
+            <a:fillRect/>
+          </a:stretch>
+        </p:blipFill>
+        <p:spPr>
+          <a:xfrm>
+            <a:off x="142875" y="643939"/>
+            <a:ext cx="11752517" cy="864019"/>
+          </a:xfrm>
+          <a:prstGeom prst="rect">
+            <a:avLst/>
+          </a:prstGeom>
+        </p:spPr>
+      </p:pic>
+      <p:sp>
+        <p:nvSpPr>
+          <p:cNvPr id="5" name="TextBox 4"/>
+          <p:cNvSpPr txBox="1"/>
+          <p:nvPr/>
+        </p:nvSpPr>
+        <p:spPr>
+          <a:xfrm>
+            <a:off x="142874" y="2101515"/>
+            <a:ext cx="11752517" cy="2031325"/>
+          </a:xfrm>
+          <a:prstGeom prst="rect">
+            <a:avLst/>
+          </a:prstGeom>
+          <a:noFill/>
+        </p:spPr>
+        <p:txBody>
+          <a:bodyPr wrap="square" rtlCol="0">
+            <a:spAutoFit/>
+          </a:bodyPr>
+          <a:lstStyle/>
+          <a:p>
+            <a:r>
+              <a:rPr lang="en-US" altLang="ko-KR" smtClean="0"/>
+              <a:t>write </a:t>
+            </a:r>
+            <a:r>
+              <a:rPr lang="ko-KR" altLang="en-US" smtClean="0"/>
+              <a:t>버튼을 구성하는 소스코드 위치 발견</a:t>
+            </a:r>
+            <a:endParaRPr lang="en-US" altLang="ko-KR" smtClean="0"/>
+          </a:p>
+          <a:p>
+            <a:endParaRPr lang="en-US" altLang="ko-KR"/>
+          </a:p>
+          <a:p>
+            <a:r>
+              <a:rPr lang="en-US" altLang="ko-KR" smtClean="0"/>
+              <a:t>onclick : </a:t>
+            </a:r>
+            <a:r>
+              <a:rPr lang="ko-KR" altLang="en-US" smtClean="0"/>
+              <a:t>버튼을 클릭시 사용자가 지정한 이벤트가 발생하도록 하는 자바스크립트 명령어</a:t>
+            </a:r>
+            <a:endParaRPr lang="en-US" altLang="ko-KR"/>
+          </a:p>
+          <a:p>
+            <a:endParaRPr lang="en-US" altLang="ko-KR"/>
+          </a:p>
+          <a:p>
+            <a:r>
+              <a:rPr lang="ko-KR" altLang="en-US" smtClean="0"/>
+              <a:t>이 경우에는 </a:t>
+            </a:r>
+            <a:r>
+              <a:rPr lang="en-US" altLang="ko-KR" smtClean="0"/>
+              <a:t>write</a:t>
+            </a:r>
+            <a:r>
+              <a:rPr lang="ko-KR" altLang="en-US" smtClean="0"/>
+              <a:t>버튼을 클릭하면 </a:t>
+            </a:r>
+            <a:r>
+              <a:rPr lang="en-US" altLang="ko-KR" smtClean="0"/>
+              <a:t>~~/board/write.asp?page=1&amp;divi=Free </a:t>
+            </a:r>
+            <a:r>
+              <a:rPr lang="ko-KR" altLang="en-US" smtClean="0"/>
+              <a:t>로 이동하도록 되어있음</a:t>
+            </a:r>
+            <a:endParaRPr lang="en-US" altLang="ko-KR" smtClean="0"/>
+          </a:p>
+          <a:p>
+            <a:endParaRPr lang="en-US" altLang="ko-KR"/>
+          </a:p>
+          <a:p>
+            <a:r>
+              <a:rPr lang="en-US" altLang="ko-KR" smtClean="0"/>
+              <a:t>url </a:t>
+            </a:r>
+            <a:r>
+              <a:rPr lang="ko-KR" altLang="en-US" smtClean="0"/>
+              <a:t>뒷부분일 것이라는 생각이 들어 </a:t>
+            </a:r>
+            <a:r>
+              <a:rPr lang="en-US" altLang="ko-KR" smtClean="0"/>
+              <a:t>suninatas </a:t>
+            </a:r>
+            <a:r>
+              <a:rPr lang="ko-KR" altLang="en-US" smtClean="0"/>
+              <a:t>의 </a:t>
+            </a:r>
+            <a:r>
+              <a:rPr lang="en-US" altLang="ko-KR" smtClean="0"/>
+              <a:t>url </a:t>
+            </a:r>
+            <a:r>
+              <a:rPr lang="ko-KR" altLang="en-US" smtClean="0"/>
+              <a:t>뒤에 붙여넣음</a:t>
+            </a:r>
+            <a:endParaRPr lang="en-US" altLang="ko-KR" smtClean="0"/>
+          </a:p>
+        </p:txBody>
+      </p:sp>
+    </p:spTree>
+    <p:extLst>
+      <p:ext uri="{BB962C8B-B14F-4D97-AF65-F5344CB8AC3E}">
+        <p14:creationId xmlns:p14="http://schemas.microsoft.com/office/powerpoint/2010/main" val="3395821344"/>
+      </p:ext>
+    </p:extLst>
+  </p:cSld>
+  <p:clrMapOvr>
+    <a:masterClrMapping/>
+  </p:clrMapOvr>
+</p:sld>
+</file>
+
+<file path=ppt/slides/slide14.xml><?xml version="1.0" encoding="utf-8"?>
+<p:sld xmlns:a="http://schemas.openxmlformats.org/drawingml/2006/main" xmlns:r="http://schemas.openxmlformats.org/officeDocument/2006/relationships" xmlns:p="http://schemas.openxmlformats.org/presentationml/2006/main">
+  <p:cSld>
+    <p:spTree>
+      <p:nvGrpSpPr>
+        <p:cNvPr id="1" name=""/>
+        <p:cNvGrpSpPr/>
+        <p:nvPr/>
+      </p:nvGrpSpPr>
+      <p:grpSpPr>
+        <a:xfrm>
+          <a:off x="0" y="0"/>
+          <a:ext cx="0" cy="0"/>
+          <a:chOff x="0" y="0"/>
+          <a:chExt cx="0" cy="0"/>
+        </a:xfrm>
+      </p:grpSpPr>
+      <p:pic>
+        <p:nvPicPr>
+          <p:cNvPr id="4" name="그림 3"/>
+          <p:cNvPicPr>
+            <a:picLocks noChangeAspect="1"/>
+          </p:cNvPicPr>
+          <p:nvPr/>
+        </p:nvPicPr>
+        <p:blipFill>
+          <a:blip r:embed="rId2"/>
+          <a:stretch>
+            <a:fillRect/>
+          </a:stretch>
+        </p:blipFill>
+        <p:spPr>
+          <a:xfrm>
+            <a:off x="391276" y="374232"/>
+            <a:ext cx="11383629" cy="620378"/>
+          </a:xfrm>
+          <a:prstGeom prst="rect">
+            <a:avLst/>
+          </a:prstGeom>
+        </p:spPr>
+      </p:pic>
+      <p:pic>
+        <p:nvPicPr>
+          <p:cNvPr id="5" name="그림 4"/>
+          <p:cNvPicPr>
+            <a:picLocks noChangeAspect="1"/>
+          </p:cNvPicPr>
+          <p:nvPr/>
+        </p:nvPicPr>
+        <p:blipFill>
+          <a:blip r:embed="rId3"/>
+          <a:stretch>
+            <a:fillRect/>
+          </a:stretch>
+        </p:blipFill>
+        <p:spPr>
+          <a:xfrm>
+            <a:off x="391276" y="1158790"/>
+            <a:ext cx="5319713" cy="4884381"/>
+          </a:xfrm>
+          <a:prstGeom prst="rect">
+            <a:avLst/>
+          </a:prstGeom>
+        </p:spPr>
+      </p:pic>
+      <p:sp>
+        <p:nvSpPr>
+          <p:cNvPr id="7" name="TextBox 6"/>
+          <p:cNvSpPr txBox="1"/>
+          <p:nvPr/>
+        </p:nvSpPr>
+        <p:spPr>
+          <a:xfrm>
+            <a:off x="6224337" y="3139315"/>
+            <a:ext cx="5791200" cy="923330"/>
+          </a:xfrm>
+          <a:prstGeom prst="rect">
+            <a:avLst/>
+          </a:prstGeom>
+          <a:noFill/>
+        </p:spPr>
+        <p:txBody>
+          <a:bodyPr wrap="square" rtlCol="0">
+            <a:spAutoFit/>
+          </a:bodyPr>
+          <a:lstStyle/>
+          <a:p>
+            <a:r>
+              <a:rPr lang="ko-KR" altLang="en-US" smtClean="0"/>
+              <a:t>주소를 입력해서 이동한 페이지와</a:t>
+            </a:r>
+            <a:endParaRPr lang="en-US" altLang="ko-KR" smtClean="0"/>
+          </a:p>
+          <a:p>
+            <a:endParaRPr lang="en-US" altLang="ko-KR"/>
+          </a:p>
+          <a:p>
+            <a:r>
+              <a:rPr lang="en-US" altLang="ko-KR" smtClean="0"/>
+              <a:t>write </a:t>
+            </a:r>
+            <a:r>
+              <a:rPr lang="ko-KR" altLang="en-US" smtClean="0"/>
+              <a:t>버튼을 직접 클릭하여 이동한 페이지가 일치함</a:t>
+            </a:r>
+            <a:endParaRPr lang="ko-KR" altLang="en-US"/>
+          </a:p>
+        </p:txBody>
+      </p:sp>
+    </p:spTree>
+    <p:extLst>
+      <p:ext uri="{BB962C8B-B14F-4D97-AF65-F5344CB8AC3E}">
+        <p14:creationId xmlns:p14="http://schemas.microsoft.com/office/powerpoint/2010/main" val="2419084655"/>
+      </p:ext>
+    </p:extLst>
+  </p:cSld>
+  <p:clrMapOvr>
+    <a:masterClrMapping/>
+  </p:clrMapOvr>
+</p:sld>
+</file>
+
+<file path=ppt/slides/slide15.xml><?xml version="1.0" encoding="utf-8"?>
+<p:sld xmlns:a="http://schemas.openxmlformats.org/drawingml/2006/main" xmlns:r="http://schemas.openxmlformats.org/officeDocument/2006/relationships" xmlns:p="http://schemas.openxmlformats.org/presentationml/2006/main">
+  <p:cSld>
+    <p:spTree>
+      <p:nvGrpSpPr>
+        <p:cNvPr id="1" name=""/>
+        <p:cNvGrpSpPr/>
+        <p:nvPr/>
+      </p:nvGrpSpPr>
+      <p:grpSpPr>
+        <a:xfrm>
+          <a:off x="0" y="0"/>
+          <a:ext cx="0" cy="0"/>
+          <a:chOff x="0" y="0"/>
+          <a:chExt cx="0" cy="0"/>
+        </a:xfrm>
+      </p:grpSpPr>
+      <p:pic>
+        <p:nvPicPr>
+          <p:cNvPr id="5" name="그림 4"/>
+          <p:cNvPicPr>
+            <a:picLocks noChangeAspect="1"/>
+          </p:cNvPicPr>
+          <p:nvPr/>
+        </p:nvPicPr>
+        <p:blipFill>
+          <a:blip r:embed="rId2"/>
+          <a:stretch>
+            <a:fillRect/>
+          </a:stretch>
+        </p:blipFill>
+        <p:spPr>
+          <a:xfrm>
+            <a:off x="2253413" y="166437"/>
+            <a:ext cx="6669173" cy="3657814"/>
+          </a:xfrm>
+          <a:prstGeom prst="rect">
+            <a:avLst/>
+          </a:prstGeom>
+        </p:spPr>
+      </p:pic>
+      <p:sp>
+        <p:nvSpPr>
+          <p:cNvPr id="6" name="TextBox 5"/>
+          <p:cNvSpPr txBox="1"/>
+          <p:nvPr/>
+        </p:nvSpPr>
+        <p:spPr>
+          <a:xfrm>
+            <a:off x="449179" y="5454316"/>
+            <a:ext cx="11053010" cy="923330"/>
+          </a:xfrm>
+          <a:prstGeom prst="rect">
+            <a:avLst/>
+          </a:prstGeom>
+          <a:noFill/>
+        </p:spPr>
+        <p:txBody>
+          <a:bodyPr wrap="square" rtlCol="0">
+            <a:spAutoFit/>
+          </a:bodyPr>
+          <a:lstStyle/>
+          <a:p>
+            <a:r>
+              <a:rPr lang="en-US" altLang="ko-KR" smtClean="0"/>
+              <a:t>url </a:t>
+            </a:r>
+            <a:r>
+              <a:rPr lang="ko-KR" altLang="en-US" smtClean="0"/>
+              <a:t>뒤에 </a:t>
+            </a:r>
+            <a:r>
+              <a:rPr lang="en-US" altLang="ko-KR" smtClean="0"/>
+              <a:t>free</a:t>
+            </a:r>
+            <a:r>
+              <a:rPr lang="ko-KR" altLang="en-US" smtClean="0"/>
+              <a:t>가 적혀있는 부분은 게시판 이름일 것이라 추측</a:t>
+            </a:r>
+            <a:endParaRPr lang="en-US" altLang="ko-KR" smtClean="0"/>
+          </a:p>
+          <a:p>
+            <a:endParaRPr lang="en-US" altLang="ko-KR"/>
+          </a:p>
+          <a:p>
+            <a:r>
+              <a:rPr lang="en-US" altLang="ko-KR" smtClean="0"/>
+              <a:t>notice </a:t>
+            </a:r>
+            <a:r>
+              <a:rPr lang="ko-KR" altLang="en-US" smtClean="0"/>
+              <a:t>게시판 뒤의 </a:t>
+            </a:r>
+            <a:r>
+              <a:rPr lang="en-US" altLang="ko-KR" smtClean="0"/>
+              <a:t>url</a:t>
+            </a:r>
+            <a:r>
+              <a:rPr lang="ko-KR" altLang="en-US" smtClean="0"/>
+              <a:t>은 </a:t>
+            </a:r>
+            <a:r>
+              <a:rPr lang="en-US" altLang="ko-KR" smtClean="0"/>
+              <a:t>notice</a:t>
+            </a:r>
+            <a:r>
+              <a:rPr lang="ko-KR" altLang="en-US" smtClean="0"/>
+              <a:t>로 끝나므로</a:t>
+            </a:r>
+            <a:r>
+              <a:rPr lang="en-US" altLang="ko-KR" smtClean="0"/>
+              <a:t>, </a:t>
+            </a:r>
+            <a:r>
+              <a:rPr lang="ko-KR" altLang="en-US" smtClean="0"/>
+              <a:t>조금 전과 같은 방법을 이용함</a:t>
+            </a:r>
+            <a:endParaRPr lang="en-US" altLang="ko-KR" smtClean="0"/>
+          </a:p>
+        </p:txBody>
+      </p:sp>
+      <p:pic>
+        <p:nvPicPr>
+          <p:cNvPr id="8" name="그림 7"/>
+          <p:cNvPicPr>
+            <a:picLocks noChangeAspect="1"/>
+          </p:cNvPicPr>
+          <p:nvPr/>
+        </p:nvPicPr>
+        <p:blipFill>
+          <a:blip r:embed="rId3"/>
+          <a:stretch>
+            <a:fillRect/>
+          </a:stretch>
+        </p:blipFill>
+        <p:spPr>
+          <a:xfrm>
+            <a:off x="2253414" y="4180973"/>
+            <a:ext cx="6669173" cy="615616"/>
+          </a:xfrm>
+          <a:prstGeom prst="rect">
+            <a:avLst/>
+          </a:prstGeom>
+        </p:spPr>
+      </p:pic>
+    </p:spTree>
+    <p:extLst>
+      <p:ext uri="{BB962C8B-B14F-4D97-AF65-F5344CB8AC3E}">
+        <p14:creationId xmlns:p14="http://schemas.microsoft.com/office/powerpoint/2010/main" val="3147079691"/>
+      </p:ext>
+    </p:extLst>
+  </p:cSld>
+  <p:clrMapOvr>
+    <a:masterClrMapping/>
+  </p:clrMapOvr>
+</p:sld>
+</file>
+
+<file path=ppt/slides/slide16.xml><?xml version="1.0" encoding="utf-8"?>
+<p:sld xmlns:a="http://schemas.openxmlformats.org/drawingml/2006/main" xmlns:r="http://schemas.openxmlformats.org/officeDocument/2006/relationships" xmlns:p="http://schemas.openxmlformats.org/presentationml/2006/main">
+  <p:cSld>
+    <p:spTree>
+      <p:nvGrpSpPr>
+        <p:cNvPr id="1" name=""/>
+        <p:cNvGrpSpPr/>
+        <p:nvPr/>
+      </p:nvGrpSpPr>
+      <p:grpSpPr>
+        <a:xfrm>
+          <a:off x="0" y="0"/>
+          <a:ext cx="0" cy="0"/>
+          <a:chOff x="0" y="0"/>
+          <a:chExt cx="0" cy="0"/>
+        </a:xfrm>
+      </p:grpSpPr>
+      <p:pic>
+        <p:nvPicPr>
+          <p:cNvPr id="4" name="그림 3"/>
+          <p:cNvPicPr>
+            <a:picLocks noChangeAspect="1"/>
+          </p:cNvPicPr>
+          <p:nvPr/>
+        </p:nvPicPr>
+        <p:blipFill>
+          <a:blip r:embed="rId2"/>
+          <a:stretch>
+            <a:fillRect/>
+          </a:stretch>
+        </p:blipFill>
+        <p:spPr>
+          <a:xfrm>
+            <a:off x="2165685" y="501564"/>
+            <a:ext cx="7888955" cy="5875423"/>
+          </a:xfrm>
+          <a:prstGeom prst="rect">
+            <a:avLst/>
+          </a:prstGeom>
+        </p:spPr>
+      </p:pic>
+    </p:spTree>
+    <p:extLst>
+      <p:ext uri="{BB962C8B-B14F-4D97-AF65-F5344CB8AC3E}">
+        <p14:creationId xmlns:p14="http://schemas.microsoft.com/office/powerpoint/2010/main" val="3151463335"/>
+      </p:ext>
+    </p:extLst>
+  </p:cSld>
+  <p:clrMapOvr>
+    <a:masterClrMapping/>
+  </p:clrMapOvr>
+</p:sld>
+</file>
+
+<file path=ppt/slides/slide17.xml><?xml version="1.0" encoding="utf-8"?>
+<p:sld xmlns:a="http://schemas.openxmlformats.org/drawingml/2006/main" xmlns:r="http://schemas.openxmlformats.org/officeDocument/2006/relationships" xmlns:p="http://schemas.openxmlformats.org/presentationml/2006/main">
+  <p:cSld>
+    <p:spTree>
+      <p:nvGrpSpPr>
+        <p:cNvPr id="1" name=""/>
+        <p:cNvGrpSpPr/>
+        <p:nvPr/>
+      </p:nvGrpSpPr>
+      <p:grpSpPr>
+        <a:xfrm>
+          <a:off x="0" y="0"/>
+          <a:ext cx="0" cy="0"/>
+          <a:chOff x="0" y="0"/>
+          <a:chExt cx="0" cy="0"/>
+        </a:xfrm>
+      </p:grpSpPr>
+      <p:sp>
+        <p:nvSpPr>
+          <p:cNvPr id="2" name="제목 1"/>
+          <p:cNvSpPr>
+            <a:spLocks noGrp="1"/>
+          </p:cNvSpPr>
+          <p:nvPr>
+            <p:ph type="title"/>
+          </p:nvPr>
+        </p:nvSpPr>
+        <p:spPr>
+          <a:xfrm>
+            <a:off x="4588042" y="2422358"/>
+            <a:ext cx="3224463" cy="1860884"/>
+          </a:xfrm>
+        </p:spPr>
+        <p:txBody>
+          <a:bodyPr>
+            <a:normAutofit/>
+          </a:bodyPr>
+          <a:lstStyle/>
+          <a:p>
+            <a:r>
+              <a:rPr lang="en-US" altLang="ko-KR" sz="5000" smtClean="0"/>
+              <a:t>Web </a:t>
+            </a:r>
+            <a:r>
+              <a:rPr lang="en-US" altLang="ko-KR" sz="5000"/>
+              <a:t>4</a:t>
+            </a:r>
+            <a:r>
+              <a:rPr lang="ko-KR" altLang="en-US" sz="5000" smtClean="0"/>
+              <a:t>번</a:t>
+            </a:r>
+            <a:endParaRPr lang="ko-KR" altLang="en-US" sz="5000"/>
+          </a:p>
+        </p:txBody>
+      </p:sp>
+    </p:spTree>
+    <p:extLst>
+      <p:ext uri="{BB962C8B-B14F-4D97-AF65-F5344CB8AC3E}">
+        <p14:creationId xmlns:p14="http://schemas.microsoft.com/office/powerpoint/2010/main" val="1283807135"/>
+      </p:ext>
+    </p:extLst>
+  </p:cSld>
+  <p:clrMapOvr>
+    <a:masterClrMapping/>
+  </p:clrMapOvr>
+</p:sld>
+</file>
+
+<file path=ppt/slides/slide18.xml><?xml version="1.0" encoding="utf-8"?>
+<p:sld xmlns:a="http://schemas.openxmlformats.org/drawingml/2006/main" xmlns:r="http://schemas.openxmlformats.org/officeDocument/2006/relationships" xmlns:p="http://schemas.openxmlformats.org/presentationml/2006/main">
+  <p:cSld>
+    <p:spTree>
+      <p:nvGrpSpPr>
+        <p:cNvPr id="1" name=""/>
+        <p:cNvGrpSpPr/>
+        <p:nvPr/>
+      </p:nvGrpSpPr>
+      <p:grpSpPr>
+        <a:xfrm>
+          <a:off x="0" y="0"/>
+          <a:ext cx="0" cy="0"/>
+          <a:chOff x="0" y="0"/>
+          <a:chExt cx="0" cy="0"/>
+        </a:xfrm>
+      </p:grpSpPr>
+      <p:pic>
+        <p:nvPicPr>
+          <p:cNvPr id="5" name="그림 4"/>
+          <p:cNvPicPr>
+            <a:picLocks noChangeAspect="1"/>
+          </p:cNvPicPr>
+          <p:nvPr/>
+        </p:nvPicPr>
+        <p:blipFill>
+          <a:blip r:embed="rId2"/>
+          <a:stretch>
+            <a:fillRect/>
+          </a:stretch>
+        </p:blipFill>
+        <p:spPr>
+          <a:xfrm>
+            <a:off x="1151522" y="928437"/>
+            <a:ext cx="9696450" cy="2819400"/>
+          </a:xfrm>
+          <a:prstGeom prst="rect">
+            <a:avLst/>
+          </a:prstGeom>
+        </p:spPr>
+      </p:pic>
+      <p:sp>
+        <p:nvSpPr>
+          <p:cNvPr id="6" name="TextBox 5"/>
+          <p:cNvSpPr txBox="1"/>
+          <p:nvPr/>
+        </p:nvSpPr>
+        <p:spPr>
+          <a:xfrm>
+            <a:off x="1235242" y="4331368"/>
+            <a:ext cx="9609221" cy="1477328"/>
+          </a:xfrm>
+          <a:prstGeom prst="rect">
+            <a:avLst/>
+          </a:prstGeom>
+          <a:noFill/>
+        </p:spPr>
+        <p:txBody>
+          <a:bodyPr wrap="square" rtlCol="0">
+            <a:spAutoFit/>
+          </a:bodyPr>
+          <a:lstStyle/>
+          <a:p>
+            <a:pPr marL="285750" indent="-285750">
+              <a:buFontTx/>
+              <a:buChar char="-"/>
+            </a:pPr>
+            <a:r>
+              <a:rPr lang="en-US" altLang="ko-KR" smtClean="0"/>
+              <a:t>Plus</a:t>
+            </a:r>
+            <a:r>
+              <a:rPr lang="ko-KR" altLang="en-US" smtClean="0"/>
+              <a:t>를 직접  클릭해보니 </a:t>
+            </a:r>
+            <a:r>
+              <a:rPr lang="en-US" altLang="ko-KR" smtClean="0"/>
+              <a:t>25</a:t>
+            </a:r>
+            <a:r>
+              <a:rPr lang="ko-KR" altLang="en-US" smtClean="0"/>
+              <a:t>까지밖에 안 올라감</a:t>
+            </a:r>
+            <a:endParaRPr lang="en-US" altLang="ko-KR" smtClean="0"/>
+          </a:p>
+          <a:p>
+            <a:pPr marL="285750" indent="-285750">
+              <a:buFontTx/>
+              <a:buChar char="-"/>
+            </a:pPr>
+            <a:endParaRPr lang="en-US" altLang="ko-KR"/>
+          </a:p>
+          <a:p>
+            <a:pPr marL="285750" indent="-285750">
+              <a:buFontTx/>
+              <a:buChar char="-"/>
+            </a:pPr>
+            <a:r>
+              <a:rPr lang="en-US" altLang="ko-KR" smtClean="0"/>
+              <a:t>25</a:t>
+            </a:r>
+            <a:r>
+              <a:rPr lang="ko-KR" altLang="en-US" smtClean="0"/>
+              <a:t>이후로는 </a:t>
+            </a:r>
+            <a:r>
+              <a:rPr lang="en-US" altLang="ko-KR" smtClean="0"/>
+              <a:t>Plus</a:t>
+            </a:r>
+            <a:r>
+              <a:rPr lang="ko-KR" altLang="en-US" smtClean="0"/>
+              <a:t>를 누르면 </a:t>
+            </a:r>
+            <a:r>
+              <a:rPr lang="en-US" altLang="ko-KR" smtClean="0"/>
+              <a:t>‘</a:t>
+            </a:r>
+            <a:r>
+              <a:rPr lang="en-US" altLang="ko-KR" smtClean="0">
+                <a:solidFill>
+                  <a:srgbClr val="FF0000"/>
+                </a:solidFill>
+              </a:rPr>
+              <a:t>I like the Suninatas browser!</a:t>
+            </a:r>
+            <a:r>
+              <a:rPr lang="en-US" altLang="ko-KR" smtClean="0"/>
+              <a:t>‘ </a:t>
+            </a:r>
+            <a:r>
+              <a:rPr lang="ko-KR" altLang="en-US" smtClean="0"/>
+              <a:t>라는 메세지가 뜸</a:t>
+            </a:r>
+            <a:endParaRPr lang="en-US" altLang="ko-KR" smtClean="0"/>
+          </a:p>
+          <a:p>
+            <a:pPr marL="285750" indent="-285750">
+              <a:buFontTx/>
+              <a:buChar char="-"/>
+            </a:pPr>
+            <a:endParaRPr lang="en-US" altLang="ko-KR"/>
+          </a:p>
+          <a:p>
+            <a:pPr marL="285750" indent="-285750">
+              <a:buFontTx/>
+              <a:buChar char="-"/>
+            </a:pPr>
+            <a:r>
+              <a:rPr lang="en-US" altLang="ko-KR" smtClean="0"/>
+              <a:t>User-Agent</a:t>
+            </a:r>
+            <a:r>
+              <a:rPr lang="ko-KR" altLang="en-US" smtClean="0"/>
+              <a:t>는 뭔지 모르겠음</a:t>
+            </a:r>
+            <a:endParaRPr lang="en-US" altLang="ko-KR" smtClean="0"/>
+          </a:p>
+        </p:txBody>
+      </p:sp>
+    </p:spTree>
+    <p:extLst>
+      <p:ext uri="{BB962C8B-B14F-4D97-AF65-F5344CB8AC3E}">
+        <p14:creationId xmlns:p14="http://schemas.microsoft.com/office/powerpoint/2010/main" val="3991640067"/>
+      </p:ext>
+    </p:extLst>
+  </p:cSld>
+  <p:clrMapOvr>
+    <a:masterClrMapping/>
+  </p:clrMapOvr>
+</p:sld>
+</file>
+
+<file path=ppt/slides/slide19.xml><?xml version="1.0" encoding="utf-8"?>
+<p:sld xmlns:a="http://schemas.openxmlformats.org/drawingml/2006/main" xmlns:r="http://schemas.openxmlformats.org/officeDocument/2006/relationships" xmlns:p="http://schemas.openxmlformats.org/presentationml/2006/main">
+  <p:cSld>
+    <p:spTree>
+      <p:nvGrpSpPr>
+        <p:cNvPr id="1" name=""/>
+        <p:cNvGrpSpPr/>
+        <p:nvPr/>
+      </p:nvGrpSpPr>
+      <p:grpSpPr>
+        <a:xfrm>
+          <a:off x="0" y="0"/>
+          <a:ext cx="0" cy="0"/>
+          <a:chOff x="0" y="0"/>
+          <a:chExt cx="0" cy="0"/>
+        </a:xfrm>
+      </p:grpSpPr>
+      <p:pic>
+        <p:nvPicPr>
+          <p:cNvPr id="4" name="그림 3"/>
+          <p:cNvPicPr>
+            <a:picLocks noChangeAspect="1"/>
+          </p:cNvPicPr>
+          <p:nvPr/>
+        </p:nvPicPr>
+        <p:blipFill>
+          <a:blip r:embed="rId2"/>
+          <a:stretch>
+            <a:fillRect/>
+          </a:stretch>
+        </p:blipFill>
+        <p:spPr>
+          <a:xfrm>
+            <a:off x="941469" y="1122946"/>
+            <a:ext cx="10635912" cy="1090863"/>
+          </a:xfrm>
+          <a:prstGeom prst="rect">
+            <a:avLst/>
+          </a:prstGeom>
+        </p:spPr>
+      </p:pic>
+      <p:sp>
+        <p:nvSpPr>
+          <p:cNvPr id="5" name="TextBox 4"/>
+          <p:cNvSpPr txBox="1"/>
+          <p:nvPr/>
+        </p:nvSpPr>
+        <p:spPr>
+          <a:xfrm>
+            <a:off x="941469" y="3272589"/>
+            <a:ext cx="10336131" cy="2862322"/>
+          </a:xfrm>
+          <a:prstGeom prst="rect">
+            <a:avLst/>
+          </a:prstGeom>
+          <a:noFill/>
+        </p:spPr>
+        <p:txBody>
+          <a:bodyPr wrap="square" rtlCol="0">
+            <a:spAutoFit/>
+          </a:bodyPr>
+          <a:lstStyle/>
+          <a:p>
+            <a:r>
+              <a:rPr lang="en-US" altLang="ko-KR" smtClean="0"/>
+              <a:t>F12</a:t>
+            </a:r>
+            <a:r>
+              <a:rPr lang="ko-KR" altLang="en-US" smtClean="0"/>
+              <a:t>를 눌러 개발자모드에서 직접 소스코드 확인</a:t>
+            </a:r>
+            <a:endParaRPr lang="en-US" altLang="ko-KR" smtClean="0"/>
+          </a:p>
+          <a:p>
+            <a:endParaRPr lang="en-US" altLang="ko-KR"/>
+          </a:p>
+          <a:p>
+            <a:r>
+              <a:rPr lang="ko-KR" altLang="en-US" smtClean="0"/>
+              <a:t>힌트 </a:t>
+            </a:r>
+            <a:r>
+              <a:rPr lang="en-US" altLang="ko-KR" smtClean="0"/>
+              <a:t>1 : SuNiNaTaS</a:t>
+            </a:r>
+          </a:p>
+          <a:p>
+            <a:endParaRPr lang="en-US" altLang="ko-KR"/>
+          </a:p>
+          <a:p>
+            <a:r>
+              <a:rPr lang="ko-KR" altLang="en-US" smtClean="0"/>
+              <a:t>힌트 </a:t>
+            </a:r>
+            <a:r>
+              <a:rPr lang="en-US" altLang="ko-KR" smtClean="0"/>
+              <a:t>2 : 25</a:t>
+            </a:r>
+            <a:r>
+              <a:rPr lang="ko-KR" altLang="en-US" smtClean="0"/>
+              <a:t>까지밖에 올라가지 않는 포인트를 </a:t>
+            </a:r>
+            <a:r>
+              <a:rPr lang="en-US" altLang="ko-KR" smtClean="0"/>
+              <a:t>50</a:t>
+            </a:r>
+            <a:r>
+              <a:rPr lang="ko-KR" altLang="en-US" smtClean="0"/>
+              <a:t>까지 만들라고 함</a:t>
+            </a:r>
+            <a:endParaRPr lang="en-US" altLang="ko-KR" smtClean="0"/>
+          </a:p>
+          <a:p>
+            <a:r>
+              <a:rPr lang="en-US" altLang="ko-KR"/>
+              <a:t> </a:t>
+            </a:r>
+            <a:r>
+              <a:rPr lang="en-US" altLang="ko-KR" smtClean="0"/>
+              <a:t>     -&gt; </a:t>
+            </a:r>
+            <a:r>
+              <a:rPr lang="ko-KR" altLang="en-US" smtClean="0"/>
+              <a:t>서버와 클라이언트가 주고받는 데이터의 변조가 필요하다고 생각한 근거</a:t>
+            </a:r>
+            <a:endParaRPr lang="en-US" altLang="ko-KR" smtClean="0"/>
+          </a:p>
+          <a:p>
+            <a:endParaRPr lang="en-US" altLang="ko-KR"/>
+          </a:p>
+          <a:p>
+            <a:r>
+              <a:rPr lang="en-US" altLang="ko-KR" smtClean="0"/>
+              <a:t>*</a:t>
+            </a:r>
+            <a:r>
+              <a:rPr lang="ko-KR" altLang="en-US" smtClean="0"/>
+              <a:t>프록시 툴 </a:t>
+            </a:r>
+            <a:r>
+              <a:rPr lang="en-US" altLang="ko-KR" smtClean="0"/>
+              <a:t>: </a:t>
+            </a:r>
+            <a:r>
+              <a:rPr lang="ko-KR" altLang="en-US" smtClean="0"/>
+              <a:t>클라이언트와 서버 사이에서 오고가는 데이터를 확인하고 변조할 수 있는 프로그램</a:t>
+            </a:r>
+            <a:r>
+              <a:rPr lang="en-US" altLang="ko-KR" smtClean="0"/>
+              <a:t/>
+            </a:r>
+            <a:br>
+              <a:rPr lang="en-US" altLang="ko-KR" smtClean="0"/>
+            </a:br>
+            <a:endParaRPr lang="en-US" altLang="ko-KR" smtClean="0"/>
+          </a:p>
+          <a:p>
+            <a:endParaRPr lang="ko-KR" altLang="en-US"/>
+          </a:p>
+        </p:txBody>
+      </p:sp>
+    </p:spTree>
+    <p:extLst>
+      <p:ext uri="{BB962C8B-B14F-4D97-AF65-F5344CB8AC3E}">
+        <p14:creationId xmlns:p14="http://schemas.microsoft.com/office/powerpoint/2010/main" val="3325949011"/>
+      </p:ext>
+    </p:extLst>
+  </p:cSld>
+  <p:clrMapOvr>
+    <a:masterClrMapping/>
+  </p:clrMapOvr>
+</p:sld>
+</file>
+
 <file path=ppt/slides/slide2.xml><?xml version="1.0" encoding="utf-8"?>
 <p:sld xmlns:a="http://schemas.openxmlformats.org/drawingml/2006/main" xmlns:r="http://schemas.openxmlformats.org/officeDocument/2006/relationships" xmlns:p="http://schemas.openxmlformats.org/presentationml/2006/main">
   <p:cSld>
@@ -6004,6 +7210,1561 @@
       </p:par>
     </p:tnLst>
   </p:timing>
+</p:sld>
+</file>
+
+<file path=ppt/slides/slide20.xml><?xml version="1.0" encoding="utf-8"?>
+<p:sld xmlns:a="http://schemas.openxmlformats.org/drawingml/2006/main" xmlns:r="http://schemas.openxmlformats.org/officeDocument/2006/relationships" xmlns:p="http://schemas.openxmlformats.org/presentationml/2006/main">
+  <p:cSld>
+    <p:spTree>
+      <p:nvGrpSpPr>
+        <p:cNvPr id="1" name=""/>
+        <p:cNvGrpSpPr/>
+        <p:nvPr/>
+      </p:nvGrpSpPr>
+      <p:grpSpPr>
+        <a:xfrm>
+          <a:off x="0" y="0"/>
+          <a:ext cx="0" cy="0"/>
+          <a:chOff x="0" y="0"/>
+          <a:chExt cx="0" cy="0"/>
+        </a:xfrm>
+      </p:grpSpPr>
+      <p:pic>
+        <p:nvPicPr>
+          <p:cNvPr id="5" name="그림 4"/>
+          <p:cNvPicPr>
+            <a:picLocks noChangeAspect="1"/>
+          </p:cNvPicPr>
+          <p:nvPr/>
+        </p:nvPicPr>
+        <p:blipFill>
+          <a:blip r:embed="rId2"/>
+          <a:stretch>
+            <a:fillRect/>
+          </a:stretch>
+        </p:blipFill>
+        <p:spPr>
+          <a:xfrm>
+            <a:off x="677277" y="440907"/>
+            <a:ext cx="10822900" cy="4628398"/>
+          </a:xfrm>
+          <a:prstGeom prst="rect">
+            <a:avLst/>
+          </a:prstGeom>
+        </p:spPr>
+      </p:pic>
+      <p:sp>
+        <p:nvSpPr>
+          <p:cNvPr id="6" name="TextBox 5"/>
+          <p:cNvSpPr txBox="1"/>
+          <p:nvPr/>
+        </p:nvSpPr>
+        <p:spPr>
+          <a:xfrm>
+            <a:off x="677277" y="5358063"/>
+            <a:ext cx="10822900" cy="923330"/>
+          </a:xfrm>
+          <a:prstGeom prst="rect">
+            <a:avLst/>
+          </a:prstGeom>
+          <a:noFill/>
+        </p:spPr>
+        <p:txBody>
+          <a:bodyPr wrap="square" rtlCol="0">
+            <a:spAutoFit/>
+          </a:bodyPr>
+          <a:lstStyle/>
+          <a:p>
+            <a:r>
+              <a:rPr lang="en-US" altLang="ko-KR" smtClean="0"/>
+              <a:t>point</a:t>
+            </a:r>
+            <a:r>
+              <a:rPr lang="ko-KR" altLang="en-US" smtClean="0"/>
+              <a:t>가 </a:t>
+            </a:r>
+            <a:r>
+              <a:rPr lang="en-US" altLang="ko-KR" smtClean="0"/>
+              <a:t>25</a:t>
+            </a:r>
+            <a:r>
+              <a:rPr lang="ko-KR" altLang="en-US" smtClean="0"/>
+              <a:t>인 상태에서 </a:t>
+            </a:r>
+            <a:r>
+              <a:rPr lang="en-US" altLang="ko-KR" smtClean="0"/>
+              <a:t>plus</a:t>
+            </a:r>
+            <a:r>
+              <a:rPr lang="ko-KR" altLang="en-US" smtClean="0"/>
+              <a:t>를 누르고 프록시 툴을 보니</a:t>
+            </a:r>
+            <a:r>
+              <a:rPr lang="en-US" altLang="ko-KR" smtClean="0"/>
+              <a:t>, </a:t>
+            </a:r>
+            <a:r>
+              <a:rPr lang="ko-KR" altLang="en-US" smtClean="0"/>
+              <a:t>처음 문제에서 주어진 문장이 보임</a:t>
+            </a:r>
+            <a:endParaRPr lang="en-US" altLang="ko-KR" smtClean="0"/>
+          </a:p>
+          <a:p>
+            <a:endParaRPr lang="en-US" altLang="ko-KR"/>
+          </a:p>
+          <a:p>
+            <a:r>
+              <a:rPr lang="ko-KR" altLang="en-US" smtClean="0"/>
+              <a:t>힌트가 될 것이라 생각하고 검색해봄</a:t>
+            </a:r>
+            <a:endParaRPr lang="en-US" altLang="ko-KR" smtClean="0"/>
+          </a:p>
+        </p:txBody>
+      </p:sp>
+    </p:spTree>
+    <p:extLst>
+      <p:ext uri="{BB962C8B-B14F-4D97-AF65-F5344CB8AC3E}">
+        <p14:creationId xmlns:p14="http://schemas.microsoft.com/office/powerpoint/2010/main" val="3028230406"/>
+      </p:ext>
+    </p:extLst>
+  </p:cSld>
+  <p:clrMapOvr>
+    <a:masterClrMapping/>
+  </p:clrMapOvr>
+</p:sld>
+</file>
+
+<file path=ppt/slides/slide21.xml><?xml version="1.0" encoding="utf-8"?>
+<p:sld xmlns:a="http://schemas.openxmlformats.org/drawingml/2006/main" xmlns:r="http://schemas.openxmlformats.org/officeDocument/2006/relationships" xmlns:p="http://schemas.openxmlformats.org/presentationml/2006/main">
+  <p:cSld>
+    <p:spTree>
+      <p:nvGrpSpPr>
+        <p:cNvPr id="1" name=""/>
+        <p:cNvGrpSpPr/>
+        <p:nvPr/>
+      </p:nvGrpSpPr>
+      <p:grpSpPr>
+        <a:xfrm>
+          <a:off x="0" y="0"/>
+          <a:ext cx="0" cy="0"/>
+          <a:chOff x="0" y="0"/>
+          <a:chExt cx="0" cy="0"/>
+        </a:xfrm>
+      </p:grpSpPr>
+      <p:sp>
+        <p:nvSpPr>
+          <p:cNvPr id="4" name="TextBox 3"/>
+          <p:cNvSpPr txBox="1"/>
+          <p:nvPr/>
+        </p:nvSpPr>
+        <p:spPr>
+          <a:xfrm>
+            <a:off x="737938" y="609599"/>
+            <a:ext cx="4652210" cy="784830"/>
+          </a:xfrm>
+          <a:prstGeom prst="rect">
+            <a:avLst/>
+          </a:prstGeom>
+          <a:noFill/>
+        </p:spPr>
+        <p:txBody>
+          <a:bodyPr wrap="square" rtlCol="0">
+            <a:spAutoFit/>
+          </a:bodyPr>
+          <a:lstStyle/>
+          <a:p>
+            <a:r>
+              <a:rPr lang="en-US" altLang="ko-KR" sz="4500" smtClean="0"/>
+              <a:t>User - Agent</a:t>
+            </a:r>
+            <a:endParaRPr lang="ko-KR" altLang="en-US" sz="4500"/>
+          </a:p>
+        </p:txBody>
+      </p:sp>
+      <p:sp>
+        <p:nvSpPr>
+          <p:cNvPr id="5" name="TextBox 4"/>
+          <p:cNvSpPr txBox="1"/>
+          <p:nvPr/>
+        </p:nvSpPr>
+        <p:spPr>
+          <a:xfrm>
+            <a:off x="737938" y="1780674"/>
+            <a:ext cx="10331115" cy="4801314"/>
+          </a:xfrm>
+          <a:prstGeom prst="rect">
+            <a:avLst/>
+          </a:prstGeom>
+          <a:noFill/>
+        </p:spPr>
+        <p:txBody>
+          <a:bodyPr wrap="square" rtlCol="0">
+            <a:spAutoFit/>
+          </a:bodyPr>
+          <a:lstStyle/>
+          <a:p>
+            <a:r>
+              <a:rPr lang="ko-KR" altLang="en-US" smtClean="0"/>
+              <a:t>사용자를 대신해서 인터넷에 접속하는 소프트웨어</a:t>
+            </a:r>
+            <a:r>
+              <a:rPr lang="en-US" altLang="ko-KR" smtClean="0"/>
+              <a:t>, </a:t>
+            </a:r>
+            <a:r>
+              <a:rPr lang="ko-KR" altLang="en-US" smtClean="0"/>
+              <a:t>즉 브라우저를 뜻한다</a:t>
+            </a:r>
+            <a:endParaRPr lang="en-US" altLang="ko-KR"/>
+          </a:p>
+          <a:p>
+            <a:endParaRPr lang="en-US" altLang="ko-KR" smtClean="0"/>
+          </a:p>
+          <a:p>
+            <a:endParaRPr lang="en-US" altLang="ko-KR"/>
+          </a:p>
+          <a:p>
+            <a:r>
+              <a:rPr lang="en-US" altLang="ko-KR" smtClean="0"/>
+              <a:t>User-Agent</a:t>
+            </a:r>
+            <a:r>
+              <a:rPr lang="ko-KR" altLang="en-US" smtClean="0"/>
+              <a:t>는 인터넷에 접속할 때 사용자에 관한 정보를 전송하는데</a:t>
+            </a:r>
+            <a:endParaRPr lang="en-US" altLang="ko-KR"/>
+          </a:p>
+          <a:p>
+            <a:endParaRPr lang="en-US" altLang="ko-KR" smtClean="0"/>
+          </a:p>
+          <a:p>
+            <a:endParaRPr lang="en-US" altLang="ko-KR"/>
+          </a:p>
+          <a:p>
+            <a:r>
+              <a:rPr lang="ko-KR" altLang="en-US" smtClean="0"/>
+              <a:t>이 안에는 접속한 브라우저</a:t>
+            </a:r>
+            <a:r>
+              <a:rPr lang="en-US" altLang="ko-KR" smtClean="0"/>
+              <a:t>, OS </a:t>
+            </a:r>
+            <a:r>
+              <a:rPr lang="ko-KR" altLang="en-US" smtClean="0"/>
+              <a:t>등에 대한 정보를 포함한다 </a:t>
+            </a:r>
+            <a:endParaRPr lang="en-US" altLang="ko-KR" smtClean="0"/>
+          </a:p>
+          <a:p>
+            <a:endParaRPr lang="en-US" altLang="ko-KR"/>
+          </a:p>
+          <a:p>
+            <a:endParaRPr lang="en-US" altLang="ko-KR" smtClean="0"/>
+          </a:p>
+          <a:p>
+            <a:r>
+              <a:rPr lang="en-US" altLang="ko-KR" u="sng">
+                <a:hlinkClick r:id="rId2"/>
+              </a:rPr>
+              <a:t>http://</a:t>
+            </a:r>
+            <a:r>
+              <a:rPr lang="en-US" altLang="ko-KR" u="sng">
+                <a:hlinkClick r:id="rId2"/>
+              </a:rPr>
+              <a:t>www.whatsmyuseragent.com</a:t>
+            </a:r>
+            <a:r>
+              <a:rPr lang="en-US" altLang="ko-KR" u="sng" smtClean="0">
+                <a:hlinkClick r:id="rId2"/>
+              </a:rPr>
+              <a:t>/</a:t>
+            </a:r>
+            <a:r>
+              <a:rPr lang="en-US" altLang="ko-KR" u="sng"/>
+              <a:t> </a:t>
+            </a:r>
+            <a:endParaRPr lang="en-US" altLang="ko-KR" u="sng"/>
+          </a:p>
+          <a:p>
+            <a:endParaRPr lang="en-US" altLang="ko-KR" u="sng" smtClean="0"/>
+          </a:p>
+          <a:p>
+            <a:r>
+              <a:rPr lang="ko-KR" altLang="en-US" smtClean="0"/>
+              <a:t>위 주소에서 </a:t>
+            </a:r>
+            <a:r>
+              <a:rPr lang="en-US" altLang="ko-KR" smtClean="0"/>
+              <a:t>UA </a:t>
+            </a:r>
+            <a:r>
+              <a:rPr lang="ko-KR" altLang="en-US" smtClean="0"/>
+              <a:t>확인 가능</a:t>
+            </a:r>
+            <a:endParaRPr lang="en-US" altLang="ko-KR" smtClean="0"/>
+          </a:p>
+          <a:p>
+            <a:endParaRPr lang="en-US" altLang="ko-KR"/>
+          </a:p>
+          <a:p>
+            <a:endParaRPr lang="en-US" altLang="ko-KR" smtClean="0"/>
+          </a:p>
+          <a:p>
+            <a:endParaRPr lang="en-US" altLang="ko-KR"/>
+          </a:p>
+          <a:p>
+            <a:r>
+              <a:rPr lang="en-US" altLang="ko-KR" smtClean="0"/>
+              <a:t>		*</a:t>
+            </a:r>
+            <a:r>
+              <a:rPr lang="ko-KR" altLang="en-US" smtClean="0"/>
+              <a:t>확인해보면 </a:t>
+            </a:r>
+            <a:r>
+              <a:rPr lang="en-US" altLang="ko-KR" smtClean="0"/>
+              <a:t>suninatas </a:t>
+            </a:r>
+            <a:r>
+              <a:rPr lang="ko-KR" altLang="en-US" smtClean="0"/>
+              <a:t>에서 본 </a:t>
+            </a:r>
+            <a:r>
+              <a:rPr lang="en-US" altLang="ko-KR" smtClean="0"/>
+              <a:t>UA</a:t>
+            </a:r>
+            <a:r>
+              <a:rPr lang="ko-KR" altLang="en-US" smtClean="0"/>
+              <a:t>와 같다</a:t>
+            </a:r>
+            <a:endParaRPr lang="en-US" altLang="ko-KR" smtClean="0"/>
+          </a:p>
+          <a:p>
+            <a:endParaRPr lang="en-US" altLang="ko-KR" smtClean="0"/>
+          </a:p>
+        </p:txBody>
+      </p:sp>
+    </p:spTree>
+    <p:extLst>
+      <p:ext uri="{BB962C8B-B14F-4D97-AF65-F5344CB8AC3E}">
+        <p14:creationId xmlns:p14="http://schemas.microsoft.com/office/powerpoint/2010/main" val="3349908460"/>
+      </p:ext>
+    </p:extLst>
+  </p:cSld>
+  <p:clrMapOvr>
+    <a:masterClrMapping/>
+  </p:clrMapOvr>
+</p:sld>
+</file>
+
+<file path=ppt/slides/slide22.xml><?xml version="1.0" encoding="utf-8"?>
+<p:sld xmlns:a="http://schemas.openxmlformats.org/drawingml/2006/main" xmlns:r="http://schemas.openxmlformats.org/officeDocument/2006/relationships" xmlns:p="http://schemas.openxmlformats.org/presentationml/2006/main">
+  <p:cSld>
+    <p:spTree>
+      <p:nvGrpSpPr>
+        <p:cNvPr id="1" name=""/>
+        <p:cNvGrpSpPr/>
+        <p:nvPr/>
+      </p:nvGrpSpPr>
+      <p:grpSpPr>
+        <a:xfrm>
+          <a:off x="0" y="0"/>
+          <a:ext cx="0" cy="0"/>
+          <a:chOff x="0" y="0"/>
+          <a:chExt cx="0" cy="0"/>
+        </a:xfrm>
+      </p:grpSpPr>
+      <p:sp>
+        <p:nvSpPr>
+          <p:cNvPr id="6" name="타원 5"/>
+          <p:cNvSpPr/>
+          <p:nvPr/>
+        </p:nvSpPr>
+        <p:spPr>
+          <a:xfrm>
+            <a:off x="428270" y="1058779"/>
+            <a:ext cx="2165684" cy="1010653"/>
+          </a:xfrm>
+          <a:prstGeom prst="ellipse">
+            <a:avLst/>
+          </a:prstGeom>
+        </p:spPr>
+        <p:style>
+          <a:lnRef idx="2">
+            <a:schemeClr val="accent1">
+              <a:shade val="50000"/>
+            </a:schemeClr>
+          </a:lnRef>
+          <a:fillRef idx="1">
+            <a:schemeClr val="accent1"/>
+          </a:fillRef>
+          <a:effectRef idx="0">
+            <a:schemeClr val="accent1"/>
+          </a:effectRef>
+          <a:fontRef idx="minor">
+            <a:schemeClr val="lt1"/>
+          </a:fontRef>
+        </p:style>
+        <p:txBody>
+          <a:bodyPr rtlCol="0" anchor="ctr"/>
+          <a:lstStyle/>
+          <a:p>
+            <a:pPr algn="ctr"/>
+            <a:r>
+              <a:rPr lang="en-US" altLang="ko-KR" smtClean="0"/>
+              <a:t>Client</a:t>
+            </a:r>
+            <a:endParaRPr lang="ko-KR" altLang="en-US"/>
+          </a:p>
+        </p:txBody>
+      </p:sp>
+      <p:sp>
+        <p:nvSpPr>
+          <p:cNvPr id="7" name="타원 6"/>
+          <p:cNvSpPr/>
+          <p:nvPr/>
+        </p:nvSpPr>
+        <p:spPr>
+          <a:xfrm>
+            <a:off x="9415271" y="1052508"/>
+            <a:ext cx="2277979" cy="1010654"/>
+          </a:xfrm>
+          <a:prstGeom prst="ellipse">
+            <a:avLst/>
+          </a:prstGeom>
+        </p:spPr>
+        <p:style>
+          <a:lnRef idx="2">
+            <a:schemeClr val="accent1">
+              <a:shade val="50000"/>
+            </a:schemeClr>
+          </a:lnRef>
+          <a:fillRef idx="1">
+            <a:schemeClr val="accent1"/>
+          </a:fillRef>
+          <a:effectRef idx="0">
+            <a:schemeClr val="accent1"/>
+          </a:effectRef>
+          <a:fontRef idx="minor">
+            <a:schemeClr val="lt1"/>
+          </a:fontRef>
+        </p:style>
+        <p:txBody>
+          <a:bodyPr rtlCol="0" anchor="ctr"/>
+          <a:lstStyle/>
+          <a:p>
+            <a:pPr algn="ctr"/>
+            <a:r>
+              <a:rPr lang="en-US" altLang="ko-KR" smtClean="0"/>
+              <a:t>Server</a:t>
+            </a:r>
+            <a:endParaRPr lang="ko-KR" altLang="en-US"/>
+          </a:p>
+        </p:txBody>
+      </p:sp>
+      <p:pic>
+        <p:nvPicPr>
+          <p:cNvPr id="9" name="그림 8"/>
+          <p:cNvPicPr>
+            <a:picLocks noChangeAspect="1"/>
+          </p:cNvPicPr>
+          <p:nvPr/>
+        </p:nvPicPr>
+        <p:blipFill>
+          <a:blip r:embed="rId2"/>
+          <a:stretch>
+            <a:fillRect/>
+          </a:stretch>
+        </p:blipFill>
+        <p:spPr>
+          <a:xfrm>
+            <a:off x="3343068" y="806616"/>
+            <a:ext cx="5409611" cy="1514977"/>
+          </a:xfrm>
+          <a:prstGeom prst="rect">
+            <a:avLst/>
+          </a:prstGeom>
+        </p:spPr>
+      </p:pic>
+      <p:sp>
+        <p:nvSpPr>
+          <p:cNvPr id="10" name="오른쪽 화살표 9"/>
+          <p:cNvSpPr/>
+          <p:nvPr/>
+        </p:nvSpPr>
+        <p:spPr>
+          <a:xfrm>
+            <a:off x="2693362" y="1119439"/>
+            <a:ext cx="515059" cy="949993"/>
+          </a:xfrm>
+          <a:prstGeom prst="rightArrow">
+            <a:avLst/>
+          </a:prstGeom>
+          <a:solidFill>
+            <a:srgbClr val="0070C0"/>
+          </a:solidFill>
+        </p:spPr>
+        <p:style>
+          <a:lnRef idx="2">
+            <a:schemeClr val="accent1">
+              <a:shade val="50000"/>
+            </a:schemeClr>
+          </a:lnRef>
+          <a:fillRef idx="1">
+            <a:schemeClr val="accent1"/>
+          </a:fillRef>
+          <a:effectRef idx="0">
+            <a:schemeClr val="accent1"/>
+          </a:effectRef>
+          <a:fontRef idx="minor">
+            <a:schemeClr val="lt1"/>
+          </a:fontRef>
+        </p:style>
+        <p:txBody>
+          <a:bodyPr rtlCol="0" anchor="ctr"/>
+          <a:lstStyle/>
+          <a:p>
+            <a:pPr algn="ctr"/>
+            <a:endParaRPr lang="ko-KR" altLang="en-US">
+              <a:solidFill>
+                <a:srgbClr val="FF0000"/>
+              </a:solidFill>
+            </a:endParaRPr>
+          </a:p>
+        </p:txBody>
+      </p:sp>
+      <p:sp>
+        <p:nvSpPr>
+          <p:cNvPr id="11" name="오른쪽 화살표 10"/>
+          <p:cNvSpPr/>
+          <p:nvPr/>
+        </p:nvSpPr>
+        <p:spPr>
+          <a:xfrm>
+            <a:off x="4634457" y="1058778"/>
+            <a:ext cx="515059" cy="949993"/>
+          </a:xfrm>
+          <a:prstGeom prst="rightArrow">
+            <a:avLst/>
+          </a:prstGeom>
+          <a:solidFill>
+            <a:srgbClr val="0070C0"/>
+          </a:solidFill>
+        </p:spPr>
+        <p:style>
+          <a:lnRef idx="2">
+            <a:schemeClr val="accent1">
+              <a:shade val="50000"/>
+            </a:schemeClr>
+          </a:lnRef>
+          <a:fillRef idx="1">
+            <a:schemeClr val="accent1"/>
+          </a:fillRef>
+          <a:effectRef idx="0">
+            <a:schemeClr val="accent1"/>
+          </a:effectRef>
+          <a:fontRef idx="minor">
+            <a:schemeClr val="lt1"/>
+          </a:fontRef>
+        </p:style>
+        <p:txBody>
+          <a:bodyPr rtlCol="0" anchor="ctr"/>
+          <a:lstStyle/>
+          <a:p>
+            <a:pPr algn="ctr"/>
+            <a:endParaRPr lang="ko-KR" altLang="en-US">
+              <a:solidFill>
+                <a:srgbClr val="FF0000"/>
+              </a:solidFill>
+            </a:endParaRPr>
+          </a:p>
+        </p:txBody>
+      </p:sp>
+      <p:sp>
+        <p:nvSpPr>
+          <p:cNvPr id="12" name="오른쪽 화살표 11"/>
+          <p:cNvSpPr/>
+          <p:nvPr/>
+        </p:nvSpPr>
+        <p:spPr>
+          <a:xfrm>
+            <a:off x="6896394" y="1058777"/>
+            <a:ext cx="515059" cy="949993"/>
+          </a:xfrm>
+          <a:prstGeom prst="rightArrow">
+            <a:avLst/>
+          </a:prstGeom>
+          <a:solidFill>
+            <a:srgbClr val="0070C0"/>
+          </a:solidFill>
+        </p:spPr>
+        <p:style>
+          <a:lnRef idx="2">
+            <a:schemeClr val="accent1">
+              <a:shade val="50000"/>
+            </a:schemeClr>
+          </a:lnRef>
+          <a:fillRef idx="1">
+            <a:schemeClr val="accent1"/>
+          </a:fillRef>
+          <a:effectRef idx="0">
+            <a:schemeClr val="accent1"/>
+          </a:effectRef>
+          <a:fontRef idx="minor">
+            <a:schemeClr val="lt1"/>
+          </a:fontRef>
+        </p:style>
+        <p:txBody>
+          <a:bodyPr rtlCol="0" anchor="ctr"/>
+          <a:lstStyle/>
+          <a:p>
+            <a:pPr algn="ctr"/>
+            <a:endParaRPr lang="ko-KR" altLang="en-US">
+              <a:solidFill>
+                <a:srgbClr val="FF0000"/>
+              </a:solidFill>
+            </a:endParaRPr>
+          </a:p>
+        </p:txBody>
+      </p:sp>
+      <p:sp>
+        <p:nvSpPr>
+          <p:cNvPr id="13" name="오른쪽 화살표 12"/>
+          <p:cNvSpPr/>
+          <p:nvPr/>
+        </p:nvSpPr>
+        <p:spPr>
+          <a:xfrm>
+            <a:off x="8853529" y="1032959"/>
+            <a:ext cx="515059" cy="949993"/>
+          </a:xfrm>
+          <a:prstGeom prst="rightArrow">
+            <a:avLst/>
+          </a:prstGeom>
+          <a:solidFill>
+            <a:srgbClr val="0070C0"/>
+          </a:solidFill>
+        </p:spPr>
+        <p:style>
+          <a:lnRef idx="2">
+            <a:schemeClr val="accent1">
+              <a:shade val="50000"/>
+            </a:schemeClr>
+          </a:lnRef>
+          <a:fillRef idx="1">
+            <a:schemeClr val="accent1"/>
+          </a:fillRef>
+          <a:effectRef idx="0">
+            <a:schemeClr val="accent1"/>
+          </a:effectRef>
+          <a:fontRef idx="minor">
+            <a:schemeClr val="lt1"/>
+          </a:fontRef>
+        </p:style>
+        <p:txBody>
+          <a:bodyPr rtlCol="0" anchor="ctr"/>
+          <a:lstStyle/>
+          <a:p>
+            <a:pPr algn="ctr"/>
+            <a:endParaRPr lang="ko-KR" altLang="en-US">
+              <a:solidFill>
+                <a:srgbClr val="FF0000"/>
+              </a:solidFill>
+            </a:endParaRPr>
+          </a:p>
+        </p:txBody>
+      </p:sp>
+      <p:sp>
+        <p:nvSpPr>
+          <p:cNvPr id="14" name="TextBox 13"/>
+          <p:cNvSpPr txBox="1"/>
+          <p:nvPr/>
+        </p:nvSpPr>
+        <p:spPr>
+          <a:xfrm>
+            <a:off x="3208421" y="2510183"/>
+            <a:ext cx="5776735" cy="630942"/>
+          </a:xfrm>
+          <a:prstGeom prst="rect">
+            <a:avLst/>
+          </a:prstGeom>
+          <a:noFill/>
+        </p:spPr>
+        <p:txBody>
+          <a:bodyPr wrap="square" rtlCol="0">
+            <a:spAutoFit/>
+          </a:bodyPr>
+          <a:lstStyle/>
+          <a:p>
+            <a:r>
+              <a:rPr lang="en-US" altLang="ko-KR" sz="3500" smtClean="0"/>
+              <a:t>I like the suninatas brower!</a:t>
+            </a:r>
+            <a:endParaRPr lang="ko-KR" altLang="en-US" sz="3500"/>
+          </a:p>
+        </p:txBody>
+      </p:sp>
+      <p:sp>
+        <p:nvSpPr>
+          <p:cNvPr id="15" name="TextBox 14"/>
+          <p:cNvSpPr txBox="1"/>
+          <p:nvPr/>
+        </p:nvSpPr>
+        <p:spPr>
+          <a:xfrm>
+            <a:off x="2950891" y="3535534"/>
+            <a:ext cx="6979893" cy="630942"/>
+          </a:xfrm>
+          <a:prstGeom prst="rect">
+            <a:avLst/>
+          </a:prstGeom>
+          <a:noFill/>
+        </p:spPr>
+        <p:txBody>
+          <a:bodyPr wrap="square" rtlCol="0">
+            <a:spAutoFit/>
+          </a:bodyPr>
+          <a:lstStyle/>
+          <a:p>
+            <a:r>
+              <a:rPr lang="en-US" altLang="ko-KR" sz="3500" smtClean="0"/>
+              <a:t>suninatas </a:t>
+            </a:r>
+            <a:r>
+              <a:rPr lang="ko-KR" altLang="en-US" sz="3500" smtClean="0"/>
+              <a:t>브라우저를 이용하라</a:t>
+            </a:r>
+            <a:endParaRPr lang="ko-KR" altLang="en-US" sz="3500"/>
+          </a:p>
+        </p:txBody>
+      </p:sp>
+      <p:sp>
+        <p:nvSpPr>
+          <p:cNvPr id="16" name="TextBox 15"/>
+          <p:cNvSpPr txBox="1"/>
+          <p:nvPr/>
+        </p:nvSpPr>
+        <p:spPr>
+          <a:xfrm>
+            <a:off x="696186" y="4540816"/>
+            <a:ext cx="10801204" cy="630942"/>
+          </a:xfrm>
+          <a:prstGeom prst="rect">
+            <a:avLst/>
+          </a:prstGeom>
+          <a:noFill/>
+        </p:spPr>
+        <p:txBody>
+          <a:bodyPr wrap="square" rtlCol="0">
+            <a:spAutoFit/>
+          </a:bodyPr>
+          <a:lstStyle/>
+          <a:p>
+            <a:r>
+              <a:rPr lang="en-US" altLang="ko-KR" sz="3500" smtClean="0"/>
+              <a:t>suninatas </a:t>
+            </a:r>
+            <a:r>
+              <a:rPr lang="ko-KR" altLang="en-US" sz="3500" smtClean="0"/>
+              <a:t>브라우저를 이용하는 것 처럼 보이게 하라</a:t>
+            </a:r>
+            <a:endParaRPr lang="ko-KR" altLang="en-US" sz="3500"/>
+          </a:p>
+        </p:txBody>
+      </p:sp>
+      <p:sp>
+        <p:nvSpPr>
+          <p:cNvPr id="17" name="TextBox 16"/>
+          <p:cNvSpPr txBox="1"/>
+          <p:nvPr/>
+        </p:nvSpPr>
+        <p:spPr>
+          <a:xfrm>
+            <a:off x="2095005" y="5632578"/>
+            <a:ext cx="8003566" cy="630942"/>
+          </a:xfrm>
+          <a:prstGeom prst="rect">
+            <a:avLst/>
+          </a:prstGeom>
+          <a:noFill/>
+        </p:spPr>
+        <p:txBody>
+          <a:bodyPr wrap="square" rtlCol="0">
+            <a:spAutoFit/>
+          </a:bodyPr>
+          <a:lstStyle/>
+          <a:p>
+            <a:r>
+              <a:rPr lang="en-US" altLang="ko-KR" sz="3500" smtClean="0"/>
+              <a:t>UA(browser)</a:t>
+            </a:r>
+            <a:r>
+              <a:rPr lang="ko-KR" altLang="en-US" sz="3500" smtClean="0"/>
+              <a:t>를 </a:t>
+            </a:r>
+            <a:r>
+              <a:rPr lang="en-US" altLang="ko-KR" sz="3500" smtClean="0"/>
+              <a:t>suninatas</a:t>
+            </a:r>
+            <a:r>
+              <a:rPr lang="ko-KR" altLang="en-US" sz="3500" smtClean="0"/>
+              <a:t>로 조작하라</a:t>
+            </a:r>
+            <a:endParaRPr lang="ko-KR" altLang="en-US" sz="3500"/>
+          </a:p>
+        </p:txBody>
+      </p:sp>
+      <p:cxnSp>
+        <p:nvCxnSpPr>
+          <p:cNvPr id="19" name="직선 화살표 연결선 18"/>
+          <p:cNvCxnSpPr>
+            <a:stCxn id="14" idx="2"/>
+          </p:cNvCxnSpPr>
+          <p:nvPr/>
+        </p:nvCxnSpPr>
+        <p:spPr>
+          <a:xfrm flipH="1">
+            <a:off x="6096788" y="3141125"/>
+            <a:ext cx="1" cy="394409"/>
+          </a:xfrm>
+          <a:prstGeom prst="straightConnector1">
+            <a:avLst/>
+          </a:prstGeom>
+          <a:ln>
+            <a:solidFill>
+              <a:srgbClr val="C00000"/>
+            </a:solidFill>
+            <a:tailEnd type="triangle"/>
+          </a:ln>
+        </p:spPr>
+        <p:style>
+          <a:lnRef idx="1">
+            <a:schemeClr val="accent1"/>
+          </a:lnRef>
+          <a:fillRef idx="0">
+            <a:schemeClr val="accent1"/>
+          </a:fillRef>
+          <a:effectRef idx="0">
+            <a:schemeClr val="accent1"/>
+          </a:effectRef>
+          <a:fontRef idx="minor">
+            <a:schemeClr val="tx1"/>
+          </a:fontRef>
+        </p:style>
+      </p:cxnSp>
+      <p:cxnSp>
+        <p:nvCxnSpPr>
+          <p:cNvPr id="20" name="직선 화살표 연결선 19"/>
+          <p:cNvCxnSpPr/>
+          <p:nvPr/>
+        </p:nvCxnSpPr>
+        <p:spPr>
+          <a:xfrm flipH="1">
+            <a:off x="6096788" y="4105037"/>
+            <a:ext cx="1" cy="394409"/>
+          </a:xfrm>
+          <a:prstGeom prst="straightConnector1">
+            <a:avLst/>
+          </a:prstGeom>
+          <a:ln>
+            <a:solidFill>
+              <a:srgbClr val="C00000"/>
+            </a:solidFill>
+            <a:tailEnd type="triangle"/>
+          </a:ln>
+        </p:spPr>
+        <p:style>
+          <a:lnRef idx="1">
+            <a:schemeClr val="accent1"/>
+          </a:lnRef>
+          <a:fillRef idx="0">
+            <a:schemeClr val="accent1"/>
+          </a:fillRef>
+          <a:effectRef idx="0">
+            <a:schemeClr val="accent1"/>
+          </a:effectRef>
+          <a:fontRef idx="minor">
+            <a:schemeClr val="tx1"/>
+          </a:fontRef>
+        </p:style>
+      </p:cxnSp>
+      <p:cxnSp>
+        <p:nvCxnSpPr>
+          <p:cNvPr id="21" name="직선 화살표 연결선 20"/>
+          <p:cNvCxnSpPr/>
+          <p:nvPr/>
+        </p:nvCxnSpPr>
+        <p:spPr>
+          <a:xfrm flipH="1">
+            <a:off x="6065491" y="5213128"/>
+            <a:ext cx="1" cy="394409"/>
+          </a:xfrm>
+          <a:prstGeom prst="straightConnector1">
+            <a:avLst/>
+          </a:prstGeom>
+          <a:ln>
+            <a:solidFill>
+              <a:srgbClr val="C00000"/>
+            </a:solidFill>
+            <a:tailEnd type="triangle"/>
+          </a:ln>
+        </p:spPr>
+        <p:style>
+          <a:lnRef idx="1">
+            <a:schemeClr val="accent1"/>
+          </a:lnRef>
+          <a:fillRef idx="0">
+            <a:schemeClr val="accent1"/>
+          </a:fillRef>
+          <a:effectRef idx="0">
+            <a:schemeClr val="accent1"/>
+          </a:effectRef>
+          <a:fontRef idx="minor">
+            <a:schemeClr val="tx1"/>
+          </a:fontRef>
+        </p:style>
+      </p:cxnSp>
+    </p:spTree>
+    <p:extLst>
+      <p:ext uri="{BB962C8B-B14F-4D97-AF65-F5344CB8AC3E}">
+        <p14:creationId xmlns:p14="http://schemas.microsoft.com/office/powerpoint/2010/main" val="609295071"/>
+      </p:ext>
+    </p:extLst>
+  </p:cSld>
+  <p:clrMapOvr>
+    <a:masterClrMapping/>
+  </p:clrMapOvr>
+</p:sld>
+</file>
+
+<file path=ppt/slides/slide23.xml><?xml version="1.0" encoding="utf-8"?>
+<p:sld xmlns:a="http://schemas.openxmlformats.org/drawingml/2006/main" xmlns:r="http://schemas.openxmlformats.org/officeDocument/2006/relationships" xmlns:p="http://schemas.openxmlformats.org/presentationml/2006/main">
+  <p:cSld>
+    <p:spTree>
+      <p:nvGrpSpPr>
+        <p:cNvPr id="1" name=""/>
+        <p:cNvGrpSpPr/>
+        <p:nvPr/>
+      </p:nvGrpSpPr>
+      <p:grpSpPr>
+        <a:xfrm>
+          <a:off x="0" y="0"/>
+          <a:ext cx="0" cy="0"/>
+          <a:chOff x="0" y="0"/>
+          <a:chExt cx="0" cy="0"/>
+        </a:xfrm>
+      </p:grpSpPr>
+      <p:pic>
+        <p:nvPicPr>
+          <p:cNvPr id="4" name="그림 3"/>
+          <p:cNvPicPr>
+            <a:picLocks noChangeAspect="1"/>
+          </p:cNvPicPr>
+          <p:nvPr/>
+        </p:nvPicPr>
+        <p:blipFill>
+          <a:blip r:embed="rId2"/>
+          <a:stretch>
+            <a:fillRect/>
+          </a:stretch>
+        </p:blipFill>
+        <p:spPr>
+          <a:xfrm>
+            <a:off x="1293838" y="882315"/>
+            <a:ext cx="9734357" cy="4503069"/>
+          </a:xfrm>
+          <a:prstGeom prst="rect">
+            <a:avLst/>
+          </a:prstGeom>
+        </p:spPr>
+      </p:pic>
+    </p:spTree>
+    <p:extLst>
+      <p:ext uri="{BB962C8B-B14F-4D97-AF65-F5344CB8AC3E}">
+        <p14:creationId xmlns:p14="http://schemas.microsoft.com/office/powerpoint/2010/main" val="3063036437"/>
+      </p:ext>
+    </p:extLst>
+  </p:cSld>
+  <p:clrMapOvr>
+    <a:masterClrMapping/>
+  </p:clrMapOvr>
+</p:sld>
+</file>
+
+<file path=ppt/slides/slide24.xml><?xml version="1.0" encoding="utf-8"?>
+<p:sld xmlns:a="http://schemas.openxmlformats.org/drawingml/2006/main" xmlns:r="http://schemas.openxmlformats.org/officeDocument/2006/relationships" xmlns:p="http://schemas.openxmlformats.org/presentationml/2006/main">
+  <p:cSld>
+    <p:spTree>
+      <p:nvGrpSpPr>
+        <p:cNvPr id="1" name=""/>
+        <p:cNvGrpSpPr/>
+        <p:nvPr/>
+      </p:nvGrpSpPr>
+      <p:grpSpPr>
+        <a:xfrm>
+          <a:off x="0" y="0"/>
+          <a:ext cx="0" cy="0"/>
+          <a:chOff x="0" y="0"/>
+          <a:chExt cx="0" cy="0"/>
+        </a:xfrm>
+      </p:grpSpPr>
+      <p:pic>
+        <p:nvPicPr>
+          <p:cNvPr id="4" name="그림 3"/>
+          <p:cNvPicPr>
+            <a:picLocks noChangeAspect="1"/>
+          </p:cNvPicPr>
+          <p:nvPr/>
+        </p:nvPicPr>
+        <p:blipFill>
+          <a:blip r:embed="rId2"/>
+          <a:stretch>
+            <a:fillRect/>
+          </a:stretch>
+        </p:blipFill>
+        <p:spPr>
+          <a:xfrm>
+            <a:off x="1903169" y="994611"/>
+            <a:ext cx="8235441" cy="4710423"/>
+          </a:xfrm>
+          <a:prstGeom prst="rect">
+            <a:avLst/>
+          </a:prstGeom>
+        </p:spPr>
+      </p:pic>
+    </p:spTree>
+    <p:extLst>
+      <p:ext uri="{BB962C8B-B14F-4D97-AF65-F5344CB8AC3E}">
+        <p14:creationId xmlns:p14="http://schemas.microsoft.com/office/powerpoint/2010/main" val="1326357767"/>
+      </p:ext>
+    </p:extLst>
+  </p:cSld>
+  <p:clrMapOvr>
+    <a:masterClrMapping/>
+  </p:clrMapOvr>
+</p:sld>
+</file>
+
+<file path=ppt/slides/slide25.xml><?xml version="1.0" encoding="utf-8"?>
+<p:sld xmlns:a="http://schemas.openxmlformats.org/drawingml/2006/main" xmlns:r="http://schemas.openxmlformats.org/officeDocument/2006/relationships" xmlns:p="http://schemas.openxmlformats.org/presentationml/2006/main">
+  <p:cSld>
+    <p:spTree>
+      <p:nvGrpSpPr>
+        <p:cNvPr id="1" name=""/>
+        <p:cNvGrpSpPr/>
+        <p:nvPr/>
+      </p:nvGrpSpPr>
+      <p:grpSpPr>
+        <a:xfrm>
+          <a:off x="0" y="0"/>
+          <a:ext cx="0" cy="0"/>
+          <a:chOff x="0" y="0"/>
+          <a:chExt cx="0" cy="0"/>
+        </a:xfrm>
+      </p:grpSpPr>
+      <p:sp>
+        <p:nvSpPr>
+          <p:cNvPr id="2" name="제목 1"/>
+          <p:cNvSpPr>
+            <a:spLocks noGrp="1"/>
+          </p:cNvSpPr>
+          <p:nvPr>
+            <p:ph type="title"/>
+          </p:nvPr>
+        </p:nvSpPr>
+        <p:spPr>
+          <a:xfrm>
+            <a:off x="4588042" y="2422358"/>
+            <a:ext cx="3224463" cy="1860884"/>
+          </a:xfrm>
+        </p:spPr>
+        <p:txBody>
+          <a:bodyPr>
+            <a:normAutofit/>
+          </a:bodyPr>
+          <a:lstStyle/>
+          <a:p>
+            <a:r>
+              <a:rPr lang="en-US" altLang="ko-KR" sz="5000" smtClean="0"/>
+              <a:t>Web </a:t>
+            </a:r>
+            <a:r>
+              <a:rPr lang="en-US" altLang="ko-KR" sz="5000" smtClean="0"/>
+              <a:t>5</a:t>
+            </a:r>
+            <a:r>
+              <a:rPr lang="ko-KR" altLang="en-US" sz="5000" smtClean="0"/>
+              <a:t>번</a:t>
+            </a:r>
+            <a:endParaRPr lang="ko-KR" altLang="en-US" sz="5000"/>
+          </a:p>
+        </p:txBody>
+      </p:sp>
+    </p:spTree>
+    <p:extLst>
+      <p:ext uri="{BB962C8B-B14F-4D97-AF65-F5344CB8AC3E}">
+        <p14:creationId xmlns:p14="http://schemas.microsoft.com/office/powerpoint/2010/main" val="3981103217"/>
+      </p:ext>
+    </p:extLst>
+  </p:cSld>
+  <p:clrMapOvr>
+    <a:masterClrMapping/>
+  </p:clrMapOvr>
+</p:sld>
+</file>
+
+<file path=ppt/slides/slide26.xml><?xml version="1.0" encoding="utf-8"?>
+<p:sld xmlns:a="http://schemas.openxmlformats.org/drawingml/2006/main" xmlns:r="http://schemas.openxmlformats.org/officeDocument/2006/relationships" xmlns:p="http://schemas.openxmlformats.org/presentationml/2006/main">
+  <p:cSld>
+    <p:spTree>
+      <p:nvGrpSpPr>
+        <p:cNvPr id="1" name=""/>
+        <p:cNvGrpSpPr/>
+        <p:nvPr/>
+      </p:nvGrpSpPr>
+      <p:grpSpPr>
+        <a:xfrm>
+          <a:off x="0" y="0"/>
+          <a:ext cx="0" cy="0"/>
+          <a:chOff x="0" y="0"/>
+          <a:chExt cx="0" cy="0"/>
+        </a:xfrm>
+      </p:grpSpPr>
+      <p:pic>
+        <p:nvPicPr>
+          <p:cNvPr id="4" name="그림 3"/>
+          <p:cNvPicPr>
+            <a:picLocks noChangeAspect="1"/>
+          </p:cNvPicPr>
+          <p:nvPr/>
+        </p:nvPicPr>
+        <p:blipFill>
+          <a:blip r:embed="rId2"/>
+          <a:stretch>
+            <a:fillRect/>
+          </a:stretch>
+        </p:blipFill>
+        <p:spPr>
+          <a:xfrm>
+            <a:off x="569184" y="3753853"/>
+            <a:ext cx="7162609" cy="921920"/>
+          </a:xfrm>
+          <a:prstGeom prst="rect">
+            <a:avLst/>
+          </a:prstGeom>
+        </p:spPr>
+      </p:pic>
+      <p:pic>
+        <p:nvPicPr>
+          <p:cNvPr id="5" name="그림 4"/>
+          <p:cNvPicPr>
+            <a:picLocks noChangeAspect="1"/>
+          </p:cNvPicPr>
+          <p:nvPr/>
+        </p:nvPicPr>
+        <p:blipFill>
+          <a:blip r:embed="rId3"/>
+          <a:stretch>
+            <a:fillRect/>
+          </a:stretch>
+        </p:blipFill>
+        <p:spPr>
+          <a:xfrm>
+            <a:off x="569184" y="1386390"/>
+            <a:ext cx="11090109" cy="1281420"/>
+          </a:xfrm>
+          <a:prstGeom prst="rect">
+            <a:avLst/>
+          </a:prstGeom>
+        </p:spPr>
+      </p:pic>
+    </p:spTree>
+    <p:extLst>
+      <p:ext uri="{BB962C8B-B14F-4D97-AF65-F5344CB8AC3E}">
+        <p14:creationId xmlns:p14="http://schemas.microsoft.com/office/powerpoint/2010/main" val="3631618741"/>
+      </p:ext>
+    </p:extLst>
+  </p:cSld>
+  <p:clrMapOvr>
+    <a:masterClrMapping/>
+  </p:clrMapOvr>
+</p:sld>
+</file>
+
+<file path=ppt/slides/slide27.xml><?xml version="1.0" encoding="utf-8"?>
+<p:sld xmlns:a="http://schemas.openxmlformats.org/drawingml/2006/main" xmlns:r="http://schemas.openxmlformats.org/officeDocument/2006/relationships" xmlns:p="http://schemas.openxmlformats.org/presentationml/2006/main">
+  <p:cSld>
+    <p:spTree>
+      <p:nvGrpSpPr>
+        <p:cNvPr id="1" name=""/>
+        <p:cNvGrpSpPr/>
+        <p:nvPr/>
+      </p:nvGrpSpPr>
+      <p:grpSpPr>
+        <a:xfrm>
+          <a:off x="0" y="0"/>
+          <a:ext cx="0" cy="0"/>
+          <a:chOff x="0" y="0"/>
+          <a:chExt cx="0" cy="0"/>
+        </a:xfrm>
+      </p:grpSpPr>
+      <p:sp>
+        <p:nvSpPr>
+          <p:cNvPr id="4" name="TextBox 3"/>
+          <p:cNvSpPr txBox="1"/>
+          <p:nvPr/>
+        </p:nvSpPr>
+        <p:spPr>
+          <a:xfrm>
+            <a:off x="433136" y="912051"/>
+            <a:ext cx="7234990" cy="5463034"/>
+          </a:xfrm>
+          <a:prstGeom prst="rect">
+            <a:avLst/>
+          </a:prstGeom>
+          <a:noFill/>
+        </p:spPr>
+        <p:txBody>
+          <a:bodyPr wrap="square" rtlCol="0">
+            <a:spAutoFit/>
+          </a:bodyPr>
+          <a:lstStyle/>
+          <a:p>
+            <a:r>
+              <a:rPr lang="en-US" altLang="ko-KR" sz="2500" b="1" smtClean="0"/>
+              <a:t>eval(JSstring)?</a:t>
+            </a:r>
+          </a:p>
+          <a:p>
+            <a:endParaRPr lang="en-US" altLang="ko-KR" smtClean="0"/>
+          </a:p>
+          <a:p>
+            <a:r>
+              <a:rPr lang="en-US" altLang="ko-KR" smtClean="0"/>
+              <a:t>-eval</a:t>
+            </a:r>
+            <a:r>
+              <a:rPr lang="ko-KR" altLang="en-US" smtClean="0"/>
+              <a:t>함수는 괄호 안의 문자열을 정해진 기준에 따라 나누고</a:t>
+            </a:r>
+            <a:r>
+              <a:rPr lang="en-US" altLang="ko-KR" smtClean="0"/>
+              <a:t>, </a:t>
+            </a:r>
+            <a:r>
+              <a:rPr lang="ko-KR" altLang="en-US" smtClean="0"/>
+              <a:t>그 중 자바스크립트 코드를 발견하면 이를 실행한다</a:t>
+            </a:r>
+            <a:endParaRPr lang="en-US" altLang="ko-KR"/>
+          </a:p>
+          <a:p>
+            <a:endParaRPr lang="en-US" altLang="ko-KR" smtClean="0"/>
+          </a:p>
+          <a:p>
+            <a:r>
+              <a:rPr lang="en-US" altLang="ko-KR" smtClean="0"/>
+              <a:t>-</a:t>
+            </a:r>
+            <a:r>
+              <a:rPr lang="ko-KR" altLang="en-US" smtClean="0"/>
+              <a:t>따라서 괄호 안에는 자바스크립트 코드 외에도 여러가지가 들어갈 수 있기 때문에 코드를 난독화 시키는 효과가 있다</a:t>
+            </a:r>
+            <a:endParaRPr lang="en-US" altLang="ko-KR" smtClean="0"/>
+          </a:p>
+          <a:p>
+            <a:endParaRPr lang="en-US" altLang="ko-KR"/>
+          </a:p>
+          <a:p>
+            <a:r>
+              <a:rPr lang="en-US" altLang="ko-KR" smtClean="0"/>
+              <a:t>-</a:t>
+            </a:r>
+            <a:r>
+              <a:rPr lang="ko-KR" altLang="en-US" smtClean="0"/>
+              <a:t>괄호안의 문자열은 </a:t>
+            </a:r>
+            <a:r>
+              <a:rPr lang="en-US" altLang="ko-KR" smtClean="0"/>
+              <a:t>eval</a:t>
+            </a:r>
+            <a:r>
+              <a:rPr lang="ko-KR" altLang="en-US" smtClean="0"/>
+              <a:t>을 </a:t>
+            </a:r>
+            <a:r>
+              <a:rPr lang="en-US" altLang="ko-KR" smtClean="0"/>
+              <a:t>alert</a:t>
+            </a:r>
+            <a:r>
+              <a:rPr lang="ko-KR" altLang="en-US" smtClean="0"/>
+              <a:t>로 바꾸면</a:t>
+            </a:r>
+            <a:r>
+              <a:rPr lang="en-US" altLang="ko-KR" smtClean="0"/>
+              <a:t>, </a:t>
+            </a:r>
+            <a:r>
+              <a:rPr lang="ko-KR" altLang="en-US" smtClean="0"/>
+              <a:t>알림창에 디코딩된 자바스크립트 코드가 출력된다</a:t>
+            </a:r>
+            <a:r>
+              <a:rPr lang="en-US" altLang="ko-KR" smtClean="0"/>
+              <a:t/>
+            </a:r>
+            <a:br>
+              <a:rPr lang="en-US" altLang="ko-KR" smtClean="0"/>
+            </a:br>
+            <a:endParaRPr lang="en-US" altLang="ko-KR" smtClean="0"/>
+          </a:p>
+          <a:p>
+            <a:endParaRPr lang="en-US" altLang="ko-KR"/>
+          </a:p>
+          <a:p>
+            <a:r>
+              <a:rPr lang="en-US" altLang="ko-KR" smtClean="0"/>
+              <a:t>eval </a:t>
+            </a:r>
+            <a:r>
+              <a:rPr lang="ko-KR" altLang="en-US" smtClean="0"/>
+              <a:t>함수 개념 </a:t>
+            </a:r>
+            <a:r>
+              <a:rPr lang="en-US" altLang="ko-KR" smtClean="0"/>
+              <a:t>: </a:t>
+            </a:r>
+            <a:r>
+              <a:rPr lang="en-US" altLang="ko-KR" smtClean="0">
+                <a:hlinkClick r:id="rId2"/>
+              </a:rPr>
+              <a:t>http</a:t>
+            </a:r>
+            <a:r>
+              <a:rPr lang="en-US" altLang="ko-KR">
+                <a:hlinkClick r:id="rId2"/>
+              </a:rPr>
+              <a:t>://iamnotokay.tistory.com/6</a:t>
+            </a:r>
+            <a:endParaRPr lang="en-US" altLang="ko-KR"/>
+          </a:p>
+          <a:p>
+            <a:endParaRPr lang="en-US" altLang="ko-KR"/>
+          </a:p>
+          <a:p>
+            <a:r>
+              <a:rPr lang="en-US" altLang="ko-KR" smtClean="0"/>
+              <a:t>eval</a:t>
+            </a:r>
+            <a:r>
+              <a:rPr lang="ko-KR" altLang="en-US" smtClean="0"/>
+              <a:t>함수 난독화 관련 </a:t>
+            </a:r>
+            <a:r>
+              <a:rPr lang="en-US" altLang="ko-KR" smtClean="0"/>
+              <a:t>: </a:t>
+            </a:r>
+            <a:r>
+              <a:rPr lang="en-US" altLang="ko-KR" smtClean="0">
+                <a:hlinkClick r:id="rId3"/>
+              </a:rPr>
+              <a:t>http</a:t>
+            </a:r>
+            <a:r>
+              <a:rPr lang="en-US" altLang="ko-KR">
+                <a:hlinkClick r:id="rId3"/>
+              </a:rPr>
+              <a:t>://</a:t>
+            </a:r>
+            <a:r>
+              <a:rPr lang="en-US" altLang="ko-KR" smtClean="0">
+                <a:hlinkClick r:id="rId3"/>
+              </a:rPr>
+              <a:t>image.ahnlab.com/file_upload/tech/javascript.pdf</a:t>
+            </a:r>
+            <a:endParaRPr lang="en-US" altLang="ko-KR" smtClean="0"/>
+          </a:p>
+          <a:p>
+            <a:endParaRPr lang="en-US" altLang="ko-KR"/>
+          </a:p>
+          <a:p>
+            <a:r>
+              <a:rPr lang="en-US" altLang="ko-KR"/>
+              <a:t>	</a:t>
+            </a:r>
+            <a:r>
+              <a:rPr lang="en-US" altLang="ko-KR" smtClean="0"/>
+              <a:t>*javascript beautifier </a:t>
+            </a:r>
+            <a:r>
+              <a:rPr lang="ko-KR" altLang="en-US" smtClean="0"/>
+              <a:t>사용해도 됨</a:t>
+            </a:r>
+            <a:endParaRPr lang="en-US" altLang="ko-KR" smtClean="0"/>
+          </a:p>
+          <a:p>
+            <a:endParaRPr lang="ko-KR" altLang="en-US"/>
+          </a:p>
+        </p:txBody>
+      </p:sp>
+      <p:pic>
+        <p:nvPicPr>
+          <p:cNvPr id="5" name="그림 4"/>
+          <p:cNvPicPr>
+            <a:picLocks noChangeAspect="1"/>
+          </p:cNvPicPr>
+          <p:nvPr/>
+        </p:nvPicPr>
+        <p:blipFill>
+          <a:blip r:embed="rId4"/>
+          <a:stretch>
+            <a:fillRect/>
+          </a:stretch>
+        </p:blipFill>
+        <p:spPr>
+          <a:xfrm>
+            <a:off x="7645871" y="1556084"/>
+            <a:ext cx="4417791" cy="4157281"/>
+          </a:xfrm>
+          <a:prstGeom prst="rect">
+            <a:avLst/>
+          </a:prstGeom>
+        </p:spPr>
+      </p:pic>
+    </p:spTree>
+    <p:extLst>
+      <p:ext uri="{BB962C8B-B14F-4D97-AF65-F5344CB8AC3E}">
+        <p14:creationId xmlns:p14="http://schemas.microsoft.com/office/powerpoint/2010/main" val="745032438"/>
+      </p:ext>
+    </p:extLst>
+  </p:cSld>
+  <p:clrMapOvr>
+    <a:masterClrMapping/>
+  </p:clrMapOvr>
+</p:sld>
+</file>
+
+<file path=ppt/slides/slide28.xml><?xml version="1.0" encoding="utf-8"?>
+<p:sld xmlns:a="http://schemas.openxmlformats.org/drawingml/2006/main" xmlns:r="http://schemas.openxmlformats.org/officeDocument/2006/relationships" xmlns:p="http://schemas.openxmlformats.org/presentationml/2006/main">
+  <p:cSld>
+    <p:spTree>
+      <p:nvGrpSpPr>
+        <p:cNvPr id="1" name=""/>
+        <p:cNvGrpSpPr/>
+        <p:nvPr/>
+      </p:nvGrpSpPr>
+      <p:grpSpPr>
+        <a:xfrm>
+          <a:off x="0" y="0"/>
+          <a:ext cx="0" cy="0"/>
+          <a:chOff x="0" y="0"/>
+          <a:chExt cx="0" cy="0"/>
+        </a:xfrm>
+      </p:grpSpPr>
+      <p:pic>
+        <p:nvPicPr>
+          <p:cNvPr id="4" name="그림 3"/>
+          <p:cNvPicPr>
+            <a:picLocks noChangeAspect="1"/>
+          </p:cNvPicPr>
+          <p:nvPr/>
+        </p:nvPicPr>
+        <p:blipFill>
+          <a:blip r:embed="rId2"/>
+          <a:stretch>
+            <a:fillRect/>
+          </a:stretch>
+        </p:blipFill>
+        <p:spPr>
+          <a:xfrm>
+            <a:off x="842460" y="566488"/>
+            <a:ext cx="10041769" cy="2802354"/>
+          </a:xfrm>
+          <a:prstGeom prst="rect">
+            <a:avLst/>
+          </a:prstGeom>
+        </p:spPr>
+      </p:pic>
+      <p:sp>
+        <p:nvSpPr>
+          <p:cNvPr id="5" name="TextBox 4"/>
+          <p:cNvSpPr txBox="1"/>
+          <p:nvPr/>
+        </p:nvSpPr>
+        <p:spPr>
+          <a:xfrm>
+            <a:off x="842460" y="3834063"/>
+            <a:ext cx="10041769" cy="1477328"/>
+          </a:xfrm>
+          <a:prstGeom prst="rect">
+            <a:avLst/>
+          </a:prstGeom>
+          <a:noFill/>
+        </p:spPr>
+        <p:txBody>
+          <a:bodyPr wrap="square" rtlCol="0">
+            <a:spAutoFit/>
+          </a:bodyPr>
+          <a:lstStyle/>
+          <a:p>
+            <a:r>
+              <a:rPr lang="en-US" altLang="ko-KR" smtClean="0"/>
+              <a:t>PASS(n) </a:t>
+            </a:r>
+            <a:r>
+              <a:rPr lang="ko-KR" altLang="en-US" smtClean="0"/>
+              <a:t>이라는 함수를 정의하는 코드였음</a:t>
+            </a:r>
+            <a:endParaRPr lang="en-US" altLang="ko-KR" smtClean="0"/>
+          </a:p>
+          <a:p>
+            <a:endParaRPr lang="en-US" altLang="ko-KR"/>
+          </a:p>
+          <a:p>
+            <a:r>
+              <a:rPr lang="ko-KR" altLang="en-US" smtClean="0"/>
+              <a:t>코드를 읽어보면 </a:t>
+            </a:r>
+            <a:r>
+              <a:rPr lang="en-US" altLang="ko-KR" smtClean="0"/>
+              <a:t>n</a:t>
+            </a:r>
+            <a:r>
+              <a:rPr lang="ko-KR" altLang="en-US" smtClean="0"/>
+              <a:t>은 숫자로 추측됨</a:t>
+            </a:r>
+            <a:endParaRPr lang="en-US" altLang="ko-KR" smtClean="0"/>
+          </a:p>
+          <a:p>
+            <a:endParaRPr lang="en-US" altLang="ko-KR"/>
+          </a:p>
+          <a:p>
+            <a:r>
+              <a:rPr lang="ko-KR" altLang="en-US" smtClean="0"/>
+              <a:t>힌트에서 주어진 숫자를 대입하면 </a:t>
+            </a:r>
+            <a:r>
+              <a:rPr lang="en-US" altLang="ko-KR" smtClean="0"/>
+              <a:t>key</a:t>
+            </a:r>
+            <a:r>
+              <a:rPr lang="ko-KR" altLang="en-US" smtClean="0"/>
+              <a:t>값이 나옴</a:t>
+            </a:r>
+            <a:endParaRPr lang="en-US" altLang="ko-KR" smtClean="0"/>
+          </a:p>
+        </p:txBody>
+      </p:sp>
+    </p:spTree>
+    <p:extLst>
+      <p:ext uri="{BB962C8B-B14F-4D97-AF65-F5344CB8AC3E}">
+        <p14:creationId xmlns:p14="http://schemas.microsoft.com/office/powerpoint/2010/main" val="2725223485"/>
+      </p:ext>
+    </p:extLst>
+  </p:cSld>
+  <p:clrMapOvr>
+    <a:masterClrMapping/>
+  </p:clrMapOvr>
 </p:sld>
 </file>
 
